--- a/Notebooks/Nederlands/02 - Objecten datastructuren en operatoren/12 - Geketende vergelijkingsoperatoren.pptx
+++ b/Notebooks/Nederlands/02 - Objecten datastructuren en operatoren/12 - Geketende vergelijkingsoperatoren.pptx
@@ -48,6 +48,21 @@
     <p:sldId id="296" r:id="rId47"/>
     <p:sldId id="297" r:id="rId48"/>
     <p:sldId id="298" r:id="rId49"/>
+    <p:sldId id="299" r:id="rId50"/>
+    <p:sldId id="300" r:id="rId51"/>
+    <p:sldId id="301" r:id="rId52"/>
+    <p:sldId id="302" r:id="rId53"/>
+    <p:sldId id="303" r:id="rId54"/>
+    <p:sldId id="304" r:id="rId55"/>
+    <p:sldId id="305" r:id="rId56"/>
+    <p:sldId id="306" r:id="rId57"/>
+    <p:sldId id="307" r:id="rId58"/>
+    <p:sldId id="308" r:id="rId59"/>
+    <p:sldId id="309" r:id="rId60"/>
+    <p:sldId id="310" r:id="rId61"/>
+    <p:sldId id="311" r:id="rId62"/>
+    <p:sldId id="312" r:id="rId63"/>
+    <p:sldId id="313" r:id="rId64"/>
   </p:sldIdLst>
   <p:sldSz cx="9144000" cy="6858000" type="screen4x3"/>
   <p:notesSz cx="6858000" cy="9144000"/>
@@ -5554,6 +5569,362 @@
 </p:sld>
 </file>
 
+<file path=ppt/slides/slide44.xml><?xml version="1.0" encoding="utf-8"?>
+<p:sld xmlns:a="http://schemas.openxmlformats.org/drawingml/2006/main" xmlns:p="http://schemas.openxmlformats.org/presentationml/2006/main" xmlns:r="http://schemas.openxmlformats.org/officeDocument/2006/relationships">
+  <p:cSld>
+    <p:spTree>
+      <p:nvGrpSpPr>
+        <p:cNvPr id="1" name=""/>
+        <p:cNvGrpSpPr/>
+        <p:nvPr/>
+      </p:nvGrpSpPr>
+      <p:grpSpPr/>
+      <p:pic>
+        <p:nvPicPr>
+          <p:cNvPr id="2" name="Picture 1" descr="image.png"/>
+          <p:cNvPicPr>
+            <a:picLocks noChangeAspect="1"/>
+          </p:cNvPicPr>
+          <p:nvPr/>
+        </p:nvPicPr>
+        <p:blipFill>
+          <a:blip r:embed="rId2"/>
+          <a:stretch>
+            <a:fillRect/>
+          </a:stretch>
+        </p:blipFill>
+        <p:spPr>
+          <a:xfrm>
+            <a:off x="914400" y="914400"/>
+            <a:ext cx="5105400" cy="1346200"/>
+          </a:xfrm>
+          <a:prstGeom prst="rect">
+            <a:avLst/>
+          </a:prstGeom>
+        </p:spPr>
+      </p:pic>
+    </p:spTree>
+  </p:cSld>
+  <p:clrMapOvr>
+    <a:masterClrMapping/>
+  </p:clrMapOvr>
+</p:sld>
+</file>
+
+<file path=ppt/slides/slide45.xml><?xml version="1.0" encoding="utf-8"?>
+<p:sld xmlns:a="http://schemas.openxmlformats.org/drawingml/2006/main" xmlns:p="http://schemas.openxmlformats.org/presentationml/2006/main" xmlns:r="http://schemas.openxmlformats.org/officeDocument/2006/relationships">
+  <p:cSld>
+    <p:spTree>
+      <p:nvGrpSpPr>
+        <p:cNvPr id="1" name=""/>
+        <p:cNvGrpSpPr/>
+        <p:nvPr/>
+      </p:nvGrpSpPr>
+      <p:grpSpPr/>
+      <p:sp>
+        <p:nvSpPr>
+          <p:cNvPr id="2" name="TextBox 1"/>
+          <p:cNvSpPr txBox="1"/>
+          <p:nvPr/>
+        </p:nvSpPr>
+        <p:spPr>
+          <a:xfrm>
+            <a:off x="914400" y="914400"/>
+            <a:ext cx="914400" cy="914400"/>
+          </a:xfrm>
+          <a:prstGeom prst="rect">
+            <a:avLst/>
+          </a:prstGeom>
+          <a:noFill/>
+        </p:spPr>
+        <p:txBody>
+          <a:bodyPr wrap="none">
+            <a:spAutoFit/>
+          </a:bodyPr>
+          <a:lstStyle/>
+          <a:p>
+            <a:r>
+              <a:t>Info:</a:t>
+            </a:r>
+          </a:p>
+          <a:p>
+            <a:pPr>
+              <a:defRPr sz="1200"/>
+            </a:pPr>
+            <a:r>
+              <a:t>&lt;center&gt;</a:t>
+            </a:r>
+            <a:br/>
+            <a:r>
+              <a:t>    &lt;img src='https://intecbrussel.be/img/logo3.png' width='400px' height='auto'/&gt;</a:t>
+            </a:r>
+            <a:br/>
+            <a:r>
+              <a:t>    &lt;br/&gt;</a:t>
+            </a:r>
+            <a:br/>
+            <a:r>
+              <a:t>    &lt;em&gt;Python les-materialen&lt;/em&gt;</a:t>
+            </a:r>
+            <a:br/>
+            <a:r>
+              <a:t>&lt;/center&gt;</a:t>
+            </a:r>
+            <a:br/>
+          </a:p>
+        </p:txBody>
+      </p:sp>
+    </p:spTree>
+  </p:cSld>
+  <p:clrMapOvr>
+    <a:masterClrMapping/>
+  </p:clrMapOvr>
+</p:sld>
+</file>
+
+<file path=ppt/slides/slide46.xml><?xml version="1.0" encoding="utf-8"?>
+<p:sld xmlns:a="http://schemas.openxmlformats.org/drawingml/2006/main" xmlns:p="http://schemas.openxmlformats.org/presentationml/2006/main" xmlns:r="http://schemas.openxmlformats.org/officeDocument/2006/relationships">
+  <p:cSld>
+    <p:spTree>
+      <p:nvGrpSpPr>
+        <p:cNvPr id="1" name=""/>
+        <p:cNvGrpSpPr/>
+        <p:nvPr/>
+      </p:nvGrpSpPr>
+      <p:grpSpPr/>
+      <p:sp>
+        <p:nvSpPr>
+          <p:cNvPr id="2" name="TextBox 1"/>
+          <p:cNvSpPr txBox="1"/>
+          <p:nvPr/>
+        </p:nvSpPr>
+        <p:spPr>
+          <a:xfrm>
+            <a:off x="914400" y="914400"/>
+            <a:ext cx="914400" cy="914400"/>
+          </a:xfrm>
+          <a:prstGeom prst="rect">
+            <a:avLst/>
+          </a:prstGeom>
+          <a:noFill/>
+        </p:spPr>
+        <p:txBody>
+          <a:bodyPr wrap="none">
+            <a:spAutoFit/>
+          </a:bodyPr>
+          <a:lstStyle/>
+          <a:p>
+            <a:r>
+              <a:t>Info:</a:t>
+            </a:r>
+          </a:p>
+          <a:p>
+            <a:pPr>
+              <a:defRPr sz="1200"/>
+            </a:pPr>
+            <a:r>
+              <a:t># Geketende (chained) vergelijkingsoperators</a:t>
+            </a:r>
+            <a:br/>
+            <a:br/>
+            <a:r>
+              <a:t>Een interessant kenmerk van Python is de mogelijkheid om meerdere vergelijkingen *aaneen te koppelen* om een complexere test/condities uit te voeren. </a:t>
+            </a:r>
+            <a:br/>
+            <a:r>
+              <a:t>U kunt deze geketende vergelijkingen gebruiken als afkorting voor grotere Booleaanse expressies.</a:t>
+            </a:r>
+            <a:br/>
+            <a:br/>
+            <a:r>
+              <a:t>In deze lezing zullen we leren hoe we vergelijkingsoperatoren kunnen ketenen en we zullen ook twee andere belangrijke operatoren in Python introduceren: </a:t>
+            </a:r>
+            <a:br/>
+            <a:r>
+              <a:t>&lt;br/&gt;  **and** en **or**.</a:t>
+            </a:r>
+            <a:br/>
+            <a:br/>
+            <a:r>
+              <a:t>Laten we eens kijken naar een paar voorbeelden van het gebruik van kettingen:</a:t>
+            </a:r>
+            <a:br/>
+          </a:p>
+        </p:txBody>
+      </p:sp>
+    </p:spTree>
+  </p:cSld>
+  <p:clrMapOvr>
+    <a:masterClrMapping/>
+  </p:clrMapOvr>
+</p:sld>
+</file>
+
+<file path=ppt/slides/slide47.xml><?xml version="1.0" encoding="utf-8"?>
+<p:sld xmlns:a="http://schemas.openxmlformats.org/drawingml/2006/main" xmlns:p="http://schemas.openxmlformats.org/presentationml/2006/main" xmlns:r="http://schemas.openxmlformats.org/officeDocument/2006/relationships">
+  <p:cSld>
+    <p:spTree>
+      <p:nvGrpSpPr>
+        <p:cNvPr id="1" name=""/>
+        <p:cNvGrpSpPr/>
+        <p:nvPr/>
+      </p:nvGrpSpPr>
+      <p:grpSpPr/>
+      <p:sp>
+        <p:nvSpPr>
+          <p:cNvPr id="2" name="TextBox 1"/>
+          <p:cNvSpPr txBox="1"/>
+          <p:nvPr/>
+        </p:nvSpPr>
+        <p:spPr>
+          <a:xfrm>
+            <a:off x="914400" y="914400"/>
+            <a:ext cx="914400" cy="914400"/>
+          </a:xfrm>
+          <a:prstGeom prst="rect">
+            <a:avLst/>
+          </a:prstGeom>
+          <a:noFill/>
+        </p:spPr>
+        <p:txBody>
+          <a:bodyPr wrap="none">
+            <a:spAutoFit/>
+          </a:bodyPr>
+          <a:lstStyle/>
+          <a:p>
+            <a:r>
+              <a:t>Python Code: </a:t>
+            </a:r>
+          </a:p>
+          <a:p>
+            <a:pPr>
+              <a:defRPr sz="1200"/>
+            </a:pPr>
+            <a:r>
+              <a:t>``` 1 &lt; 2 &lt; 3 ```</a:t>
+            </a:r>
+            <a:br/>
+          </a:p>
+        </p:txBody>
+      </p:sp>
+    </p:spTree>
+  </p:cSld>
+  <p:clrMapOvr>
+    <a:masterClrMapping/>
+  </p:clrMapOvr>
+</p:sld>
+</file>
+
+<file path=ppt/slides/slide48.xml><?xml version="1.0" encoding="utf-8"?>
+<p:sld xmlns:a="http://schemas.openxmlformats.org/drawingml/2006/main" xmlns:p="http://schemas.openxmlformats.org/presentationml/2006/main" xmlns:r="http://schemas.openxmlformats.org/officeDocument/2006/relationships">
+  <p:cSld>
+    <p:spTree>
+      <p:nvGrpSpPr>
+        <p:cNvPr id="1" name=""/>
+        <p:cNvGrpSpPr/>
+        <p:nvPr/>
+      </p:nvGrpSpPr>
+      <p:grpSpPr/>
+      <p:sp>
+        <p:nvSpPr>
+          <p:cNvPr id="2" name="TextBox 1"/>
+          <p:cNvSpPr txBox="1"/>
+          <p:nvPr/>
+        </p:nvSpPr>
+        <p:spPr>
+          <a:xfrm>
+            <a:off x="914400" y="914400"/>
+            <a:ext cx="914400" cy="914400"/>
+          </a:xfrm>
+          <a:prstGeom prst="rect">
+            <a:avLst/>
+          </a:prstGeom>
+          <a:noFill/>
+        </p:spPr>
+        <p:txBody>
+          <a:bodyPr wrap="none">
+            <a:spAutoFit/>
+          </a:bodyPr>
+          <a:lstStyle/>
+          <a:p>
+            <a:r>
+              <a:t>Info:</a:t>
+            </a:r>
+          </a:p>
+          <a:p>
+            <a:pPr>
+              <a:defRPr sz="1200"/>
+            </a:pPr>
+            <a:r>
+              <a:t>Het bovenstaande statement controleert of 1 kleiner is dan 2 **en** 2 kleiner is dan 3. We hadden dit kunnen schrijven met een **and**-statement in Python:</a:t>
+            </a:r>
+            <a:br/>
+          </a:p>
+        </p:txBody>
+      </p:sp>
+    </p:spTree>
+  </p:cSld>
+  <p:clrMapOvr>
+    <a:masterClrMapping/>
+  </p:clrMapOvr>
+</p:sld>
+</file>
+
+<file path=ppt/slides/slide49.xml><?xml version="1.0" encoding="utf-8"?>
+<p:sld xmlns:a="http://schemas.openxmlformats.org/drawingml/2006/main" xmlns:p="http://schemas.openxmlformats.org/presentationml/2006/main" xmlns:r="http://schemas.openxmlformats.org/officeDocument/2006/relationships">
+  <p:cSld>
+    <p:spTree>
+      <p:nvGrpSpPr>
+        <p:cNvPr id="1" name=""/>
+        <p:cNvGrpSpPr/>
+        <p:nvPr/>
+      </p:nvGrpSpPr>
+      <p:grpSpPr/>
+      <p:sp>
+        <p:nvSpPr>
+          <p:cNvPr id="2" name="TextBox 1"/>
+          <p:cNvSpPr txBox="1"/>
+          <p:nvPr/>
+        </p:nvSpPr>
+        <p:spPr>
+          <a:xfrm>
+            <a:off x="914400" y="914400"/>
+            <a:ext cx="914400" cy="914400"/>
+          </a:xfrm>
+          <a:prstGeom prst="rect">
+            <a:avLst/>
+          </a:prstGeom>
+          <a:noFill/>
+        </p:spPr>
+        <p:txBody>
+          <a:bodyPr wrap="none">
+            <a:spAutoFit/>
+          </a:bodyPr>
+          <a:lstStyle/>
+          <a:p>
+            <a:r>
+              <a:t>Python Code: </a:t>
+            </a:r>
+          </a:p>
+          <a:p>
+            <a:pPr>
+              <a:defRPr sz="1200"/>
+            </a:pPr>
+            <a:r>
+              <a:t>``` 1&lt;2 and 2&lt;3 ```</a:t>
+            </a:r>
+            <a:br/>
+          </a:p>
+        </p:txBody>
+      </p:sp>
+    </p:spTree>
+  </p:cSld>
+  <p:clrMapOvr>
+    <a:masterClrMapping/>
+  </p:clrMapOvr>
+</p:sld>
+</file>
+
 <file path=ppt/slides/slide5.xml><?xml version="1.0" encoding="utf-8"?>
 <p:sld xmlns:a="http://schemas.openxmlformats.org/drawingml/2006/main" xmlns:p="http://schemas.openxmlformats.org/presentationml/2006/main" xmlns:r="http://schemas.openxmlformats.org/officeDocument/2006/relationships">
   <p:cSld>
@@ -5605,6 +5976,501 @@
             </a:r>
           </a:p>
           <a:p/>
+        </p:txBody>
+      </p:sp>
+    </p:spTree>
+  </p:cSld>
+  <p:clrMapOvr>
+    <a:masterClrMapping/>
+  </p:clrMapOvr>
+</p:sld>
+</file>
+
+<file path=ppt/slides/slide50.xml><?xml version="1.0" encoding="utf-8"?>
+<p:sld xmlns:a="http://schemas.openxmlformats.org/drawingml/2006/main" xmlns:p="http://schemas.openxmlformats.org/presentationml/2006/main" xmlns:r="http://schemas.openxmlformats.org/officeDocument/2006/relationships">
+  <p:cSld>
+    <p:spTree>
+      <p:nvGrpSpPr>
+        <p:cNvPr id="1" name=""/>
+        <p:cNvGrpSpPr/>
+        <p:nvPr/>
+      </p:nvGrpSpPr>
+      <p:grpSpPr/>
+      <p:sp>
+        <p:nvSpPr>
+          <p:cNvPr id="2" name="TextBox 1"/>
+          <p:cNvSpPr txBox="1"/>
+          <p:nvPr/>
+        </p:nvSpPr>
+        <p:spPr>
+          <a:xfrm>
+            <a:off x="914400" y="914400"/>
+            <a:ext cx="914400" cy="914400"/>
+          </a:xfrm>
+          <a:prstGeom prst="rect">
+            <a:avLst/>
+          </a:prstGeom>
+          <a:noFill/>
+        </p:spPr>
+        <p:txBody>
+          <a:bodyPr wrap="none">
+            <a:spAutoFit/>
+          </a:bodyPr>
+          <a:lstStyle/>
+          <a:p>
+            <a:r>
+              <a:t>Info:</a:t>
+            </a:r>
+          </a:p>
+          <a:p>
+            <a:pPr>
+              <a:defRPr sz="1200"/>
+            </a:pPr>
+            <a:r>
+              <a:t>De **and** wordt gebruikt om ervoor te zorgen dat twee controles **True** moeten zijn om de totale controle waar te maken. Laten we nog een voorbeeld bekijken:</a:t>
+            </a:r>
+            <a:br/>
+          </a:p>
+        </p:txBody>
+      </p:sp>
+    </p:spTree>
+  </p:cSld>
+  <p:clrMapOvr>
+    <a:masterClrMapping/>
+  </p:clrMapOvr>
+</p:sld>
+</file>
+
+<file path=ppt/slides/slide51.xml><?xml version="1.0" encoding="utf-8"?>
+<p:sld xmlns:a="http://schemas.openxmlformats.org/drawingml/2006/main" xmlns:p="http://schemas.openxmlformats.org/presentationml/2006/main" xmlns:r="http://schemas.openxmlformats.org/officeDocument/2006/relationships">
+  <p:cSld>
+    <p:spTree>
+      <p:nvGrpSpPr>
+        <p:cNvPr id="1" name=""/>
+        <p:cNvGrpSpPr/>
+        <p:nvPr/>
+      </p:nvGrpSpPr>
+      <p:grpSpPr/>
+      <p:sp>
+        <p:nvSpPr>
+          <p:cNvPr id="2" name="TextBox 1"/>
+          <p:cNvSpPr txBox="1"/>
+          <p:nvPr/>
+        </p:nvSpPr>
+        <p:spPr>
+          <a:xfrm>
+            <a:off x="914400" y="914400"/>
+            <a:ext cx="914400" cy="914400"/>
+          </a:xfrm>
+          <a:prstGeom prst="rect">
+            <a:avLst/>
+          </a:prstGeom>
+          <a:noFill/>
+        </p:spPr>
+        <p:txBody>
+          <a:bodyPr wrap="none">
+            <a:spAutoFit/>
+          </a:bodyPr>
+          <a:lstStyle/>
+          <a:p>
+            <a:r>
+              <a:t>Python Code: </a:t>
+            </a:r>
+          </a:p>
+          <a:p>
+            <a:pPr>
+              <a:defRPr sz="1200"/>
+            </a:pPr>
+            <a:r>
+              <a:t>``` 1 &lt; 3 &gt; 2 ```</a:t>
+            </a:r>
+            <a:br/>
+          </a:p>
+        </p:txBody>
+      </p:sp>
+    </p:spTree>
+  </p:cSld>
+  <p:clrMapOvr>
+    <a:masterClrMapping/>
+  </p:clrMapOvr>
+</p:sld>
+</file>
+
+<file path=ppt/slides/slide52.xml><?xml version="1.0" encoding="utf-8"?>
+<p:sld xmlns:a="http://schemas.openxmlformats.org/drawingml/2006/main" xmlns:p="http://schemas.openxmlformats.org/presentationml/2006/main" xmlns:r="http://schemas.openxmlformats.org/officeDocument/2006/relationships">
+  <p:cSld>
+    <p:spTree>
+      <p:nvGrpSpPr>
+        <p:cNvPr id="1" name=""/>
+        <p:cNvGrpSpPr/>
+        <p:nvPr/>
+      </p:nvGrpSpPr>
+      <p:grpSpPr/>
+      <p:sp>
+        <p:nvSpPr>
+          <p:cNvPr id="2" name="TextBox 1"/>
+          <p:cNvSpPr txBox="1"/>
+          <p:nvPr/>
+        </p:nvSpPr>
+        <p:spPr>
+          <a:xfrm>
+            <a:off x="914400" y="914400"/>
+            <a:ext cx="914400" cy="914400"/>
+          </a:xfrm>
+          <a:prstGeom prst="rect">
+            <a:avLst/>
+          </a:prstGeom>
+          <a:noFill/>
+        </p:spPr>
+        <p:txBody>
+          <a:bodyPr wrap="none">
+            <a:spAutoFit/>
+          </a:bodyPr>
+          <a:lstStyle/>
+          <a:p>
+            <a:r>
+              <a:t>Info:</a:t>
+            </a:r>
+          </a:p>
+          <a:p>
+            <a:pPr>
+              <a:defRPr sz="1200"/>
+            </a:pPr>
+            <a:r>
+              <a:t>Het bovenstaande controleert of 3 groter is dan de andere getallen, dus je zou **and** kunnen gebruiken om het te herschrijven als:</a:t>
+            </a:r>
+            <a:br/>
+          </a:p>
+        </p:txBody>
+      </p:sp>
+    </p:spTree>
+  </p:cSld>
+  <p:clrMapOvr>
+    <a:masterClrMapping/>
+  </p:clrMapOvr>
+</p:sld>
+</file>
+
+<file path=ppt/slides/slide53.xml><?xml version="1.0" encoding="utf-8"?>
+<p:sld xmlns:a="http://schemas.openxmlformats.org/drawingml/2006/main" xmlns:p="http://schemas.openxmlformats.org/presentationml/2006/main" xmlns:r="http://schemas.openxmlformats.org/officeDocument/2006/relationships">
+  <p:cSld>
+    <p:spTree>
+      <p:nvGrpSpPr>
+        <p:cNvPr id="1" name=""/>
+        <p:cNvGrpSpPr/>
+        <p:nvPr/>
+      </p:nvGrpSpPr>
+      <p:grpSpPr/>
+      <p:sp>
+        <p:nvSpPr>
+          <p:cNvPr id="2" name="TextBox 1"/>
+          <p:cNvSpPr txBox="1"/>
+          <p:nvPr/>
+        </p:nvSpPr>
+        <p:spPr>
+          <a:xfrm>
+            <a:off x="914400" y="914400"/>
+            <a:ext cx="914400" cy="914400"/>
+          </a:xfrm>
+          <a:prstGeom prst="rect">
+            <a:avLst/>
+          </a:prstGeom>
+          <a:noFill/>
+        </p:spPr>
+        <p:txBody>
+          <a:bodyPr wrap="none">
+            <a:spAutoFit/>
+          </a:bodyPr>
+          <a:lstStyle/>
+          <a:p>
+            <a:r>
+              <a:t>Python Code: </a:t>
+            </a:r>
+          </a:p>
+          <a:p>
+            <a:pPr>
+              <a:defRPr sz="1200"/>
+            </a:pPr>
+            <a:r>
+              <a:t>``` 1&lt;3 and 3&gt;2 ```</a:t>
+            </a:r>
+            <a:br/>
+          </a:p>
+        </p:txBody>
+      </p:sp>
+    </p:spTree>
+  </p:cSld>
+  <p:clrMapOvr>
+    <a:masterClrMapping/>
+  </p:clrMapOvr>
+</p:sld>
+</file>
+
+<file path=ppt/slides/slide54.xml><?xml version="1.0" encoding="utf-8"?>
+<p:sld xmlns:a="http://schemas.openxmlformats.org/drawingml/2006/main" xmlns:p="http://schemas.openxmlformats.org/presentationml/2006/main" xmlns:r="http://schemas.openxmlformats.org/officeDocument/2006/relationships">
+  <p:cSld>
+    <p:spTree>
+      <p:nvGrpSpPr>
+        <p:cNvPr id="1" name=""/>
+        <p:cNvGrpSpPr/>
+        <p:nvPr/>
+      </p:nvGrpSpPr>
+      <p:grpSpPr/>
+      <p:sp>
+        <p:nvSpPr>
+          <p:cNvPr id="2" name="TextBox 1"/>
+          <p:cNvSpPr txBox="1"/>
+          <p:nvPr/>
+        </p:nvSpPr>
+        <p:spPr>
+          <a:xfrm>
+            <a:off x="914400" y="914400"/>
+            <a:ext cx="914400" cy="914400"/>
+          </a:xfrm>
+          <a:prstGeom prst="rect">
+            <a:avLst/>
+          </a:prstGeom>
+          <a:noFill/>
+        </p:spPr>
+        <p:txBody>
+          <a:bodyPr wrap="none">
+            <a:spAutoFit/>
+          </a:bodyPr>
+          <a:lstStyle/>
+          <a:p>
+            <a:r>
+              <a:t>Info:</a:t>
+            </a:r>
+          </a:p>
+          <a:p>
+            <a:pPr>
+              <a:defRPr sz="1200"/>
+            </a:pPr>
+            <a:r>
+              <a:t>Het is belangrijk op te merken dat Python beide instanties van de vergelijkingen controleert. We kunnen ook **or** gebruiken om vergelijkingen te schrijven in Python. Bijvoorbeeld:</a:t>
+            </a:r>
+            <a:br/>
+          </a:p>
+        </p:txBody>
+      </p:sp>
+    </p:spTree>
+  </p:cSld>
+  <p:clrMapOvr>
+    <a:masterClrMapping/>
+  </p:clrMapOvr>
+</p:sld>
+</file>
+
+<file path=ppt/slides/slide55.xml><?xml version="1.0" encoding="utf-8"?>
+<p:sld xmlns:a="http://schemas.openxmlformats.org/drawingml/2006/main" xmlns:p="http://schemas.openxmlformats.org/presentationml/2006/main" xmlns:r="http://schemas.openxmlformats.org/officeDocument/2006/relationships">
+  <p:cSld>
+    <p:spTree>
+      <p:nvGrpSpPr>
+        <p:cNvPr id="1" name=""/>
+        <p:cNvGrpSpPr/>
+        <p:nvPr/>
+      </p:nvGrpSpPr>
+      <p:grpSpPr/>
+      <p:sp>
+        <p:nvSpPr>
+          <p:cNvPr id="2" name="TextBox 1"/>
+          <p:cNvSpPr txBox="1"/>
+          <p:nvPr/>
+        </p:nvSpPr>
+        <p:spPr>
+          <a:xfrm>
+            <a:off x="914400" y="914400"/>
+            <a:ext cx="914400" cy="914400"/>
+          </a:xfrm>
+          <a:prstGeom prst="rect">
+            <a:avLst/>
+          </a:prstGeom>
+          <a:noFill/>
+        </p:spPr>
+        <p:txBody>
+          <a:bodyPr wrap="none">
+            <a:spAutoFit/>
+          </a:bodyPr>
+          <a:lstStyle/>
+          <a:p>
+            <a:r>
+              <a:t>Python Code: </a:t>
+            </a:r>
+          </a:p>
+          <a:p>
+            <a:pPr>
+              <a:defRPr sz="1200"/>
+            </a:pPr>
+            <a:r>
+              <a:t>``` 1==2 or 2&lt;3 ```</a:t>
+            </a:r>
+            <a:br/>
+          </a:p>
+        </p:txBody>
+      </p:sp>
+    </p:spTree>
+  </p:cSld>
+  <p:clrMapOvr>
+    <a:masterClrMapping/>
+  </p:clrMapOvr>
+</p:sld>
+</file>
+
+<file path=ppt/slides/slide56.xml><?xml version="1.0" encoding="utf-8"?>
+<p:sld xmlns:a="http://schemas.openxmlformats.org/drawingml/2006/main" xmlns:p="http://schemas.openxmlformats.org/presentationml/2006/main" xmlns:r="http://schemas.openxmlformats.org/officeDocument/2006/relationships">
+  <p:cSld>
+    <p:spTree>
+      <p:nvGrpSpPr>
+        <p:cNvPr id="1" name=""/>
+        <p:cNvGrpSpPr/>
+        <p:nvPr/>
+      </p:nvGrpSpPr>
+      <p:grpSpPr/>
+      <p:sp>
+        <p:nvSpPr>
+          <p:cNvPr id="2" name="TextBox 1"/>
+          <p:cNvSpPr txBox="1"/>
+          <p:nvPr/>
+        </p:nvSpPr>
+        <p:spPr>
+          <a:xfrm>
+            <a:off x="914400" y="914400"/>
+            <a:ext cx="914400" cy="914400"/>
+          </a:xfrm>
+          <a:prstGeom prst="rect">
+            <a:avLst/>
+          </a:prstGeom>
+          <a:noFill/>
+        </p:spPr>
+        <p:txBody>
+          <a:bodyPr wrap="none">
+            <a:spAutoFit/>
+          </a:bodyPr>
+          <a:lstStyle/>
+          <a:p>
+            <a:r>
+              <a:t>Info:</a:t>
+            </a:r>
+          </a:p>
+          <a:p>
+            <a:pPr>
+              <a:defRPr sz="1200"/>
+            </a:pPr>
+            <a:r>
+              <a:t>Merk op hoe het **True** was; dit komt omdat we met de operator **or** alleen de ene **of** de andere nodig hebben om True te zijn. Laten we nog een voorbeeld bekijken om dit beter te begrijpen:</a:t>
+            </a:r>
+            <a:br/>
+          </a:p>
+        </p:txBody>
+      </p:sp>
+    </p:spTree>
+  </p:cSld>
+  <p:clrMapOvr>
+    <a:masterClrMapping/>
+  </p:clrMapOvr>
+</p:sld>
+</file>
+
+<file path=ppt/slides/slide57.xml><?xml version="1.0" encoding="utf-8"?>
+<p:sld xmlns:a="http://schemas.openxmlformats.org/drawingml/2006/main" xmlns:p="http://schemas.openxmlformats.org/presentationml/2006/main" xmlns:r="http://schemas.openxmlformats.org/officeDocument/2006/relationships">
+  <p:cSld>
+    <p:spTree>
+      <p:nvGrpSpPr>
+        <p:cNvPr id="1" name=""/>
+        <p:cNvGrpSpPr/>
+        <p:nvPr/>
+      </p:nvGrpSpPr>
+      <p:grpSpPr/>
+      <p:sp>
+        <p:nvSpPr>
+          <p:cNvPr id="2" name="TextBox 1"/>
+          <p:cNvSpPr txBox="1"/>
+          <p:nvPr/>
+        </p:nvSpPr>
+        <p:spPr>
+          <a:xfrm>
+            <a:off x="914400" y="914400"/>
+            <a:ext cx="914400" cy="914400"/>
+          </a:xfrm>
+          <a:prstGeom prst="rect">
+            <a:avLst/>
+          </a:prstGeom>
+          <a:noFill/>
+        </p:spPr>
+        <p:txBody>
+          <a:bodyPr wrap="none">
+            <a:spAutoFit/>
+          </a:bodyPr>
+          <a:lstStyle/>
+          <a:p>
+            <a:r>
+              <a:t>Python Code: </a:t>
+            </a:r>
+          </a:p>
+          <a:p>
+            <a:pPr>
+              <a:defRPr sz="1200"/>
+            </a:pPr>
+            <a:r>
+              <a:t>``` 1==1 or 100==1 ```</a:t>
+            </a:r>
+            <a:br/>
+          </a:p>
+        </p:txBody>
+      </p:sp>
+    </p:spTree>
+  </p:cSld>
+  <p:clrMapOvr>
+    <a:masterClrMapping/>
+  </p:clrMapOvr>
+</p:sld>
+</file>
+
+<file path=ppt/slides/slide58.xml><?xml version="1.0" encoding="utf-8"?>
+<p:sld xmlns:a="http://schemas.openxmlformats.org/drawingml/2006/main" xmlns:p="http://schemas.openxmlformats.org/presentationml/2006/main" xmlns:r="http://schemas.openxmlformats.org/officeDocument/2006/relationships">
+  <p:cSld>
+    <p:spTree>
+      <p:nvGrpSpPr>
+        <p:cNvPr id="1" name=""/>
+        <p:cNvGrpSpPr/>
+        <p:nvPr/>
+      </p:nvGrpSpPr>
+      <p:grpSpPr/>
+      <p:sp>
+        <p:nvSpPr>
+          <p:cNvPr id="2" name="TextBox 1"/>
+          <p:cNvSpPr txBox="1"/>
+          <p:nvPr/>
+        </p:nvSpPr>
+        <p:spPr>
+          <a:xfrm>
+            <a:off x="914400" y="914400"/>
+            <a:ext cx="914400" cy="914400"/>
+          </a:xfrm>
+          <a:prstGeom prst="rect">
+            <a:avLst/>
+          </a:prstGeom>
+          <a:noFill/>
+        </p:spPr>
+        <p:txBody>
+          <a:bodyPr wrap="none">
+            <a:spAutoFit/>
+          </a:bodyPr>
+          <a:lstStyle/>
+          <a:p>
+            <a:r>
+              <a:t>Info:</a:t>
+            </a:r>
+          </a:p>
+          <a:p>
+            <a:pPr>
+              <a:defRPr sz="1200"/>
+            </a:pPr>
+            <a:r>
+              <a:t>Geweldig! Voor een overzicht van deze korte les: U zou een goed begrip moeten hebben van het gebruik van **and** en **or** verklaringen en het lezen van geketende vergelijkingscode.</a:t>
+            </a:r>
+            <a:br/>
+          </a:p>
         </p:txBody>
       </p:sp>
     </p:spTree>

--- a/Notebooks/Nederlands/02 - Objecten datastructuren en operatoren/12 - Geketende vergelijkingsoperatoren.pptx
+++ b/Notebooks/Nederlands/02 - Objecten datastructuren en operatoren/12 - Geketende vergelijkingsoperatoren.pptx
@@ -8,7 +8,7 @@
     <p:sldId id="256" r:id="rId2"/>
     <p:sldId id="257" r:id="rId3"/>
   </p:sldIdLst>
-  <p:sldSz cx="9144000" cy="5143500" type="screen16x9"/>
+  <p:sldSz cx="9144000" cy="6858000" type="screen4x3"/>
   <p:notesSz cx="6858000" cy="9144000"/>
   <p:defaultTextStyle>
     <a:defPPr>
@@ -108,12 +108,12 @@
   <p:extLst>
     <p:ext uri="{EFAFB233-063F-42B5-8137-9DF3F51BA10A}">
       <p15:sldGuideLst xmlns:p15="http://schemas.microsoft.com/office/powerpoint/2012/main">
-        <p15:guide id="1" orient="horz" pos="1620" userDrawn="1">
+        <p15:guide id="1" orient="horz" pos="2160">
           <p15:clr>
             <a:srgbClr val="A4A3A4"/>
           </p15:clr>
         </p15:guide>
-        <p15:guide id="2" pos="2880" userDrawn="1">
+        <p15:guide id="2" pos="2880">
           <p15:clr>
             <a:srgbClr val="A4A3A4"/>
           </p15:clr>
@@ -153,8 +153,8 @@
         </p:nvSpPr>
         <p:spPr>
           <a:xfrm>
-            <a:off x="685800" y="1597819"/>
-            <a:ext cx="7772400" cy="1102519"/>
+            <a:off x="685800" y="2130425"/>
+            <a:ext cx="7772400" cy="1470025"/>
           </a:xfrm>
         </p:spPr>
         <p:txBody>
@@ -162,9 +162,10 @@
           <a:lstStyle/>
           <a:p>
             <a:r>
-              <a:rPr lang="en-US"/>
+              <a:rPr lang="en-US" smtClean="0"/>
               <a:t>Click to edit Master title style</a:t>
             </a:r>
+            <a:endParaRPr lang="en-US"/>
           </a:p>
         </p:txBody>
       </p:sp>
@@ -180,8 +181,8 @@
         </p:nvSpPr>
         <p:spPr>
           <a:xfrm>
-            <a:off x="1371600" y="2914650"/>
-            <a:ext cx="6400800" cy="1314450"/>
+            <a:off x="1371600" y="3886200"/>
+            <a:ext cx="6400800" cy="1752600"/>
           </a:xfrm>
         </p:spPr>
         <p:txBody>
@@ -197,7 +198,7 @@
                 </a:solidFill>
               </a:defRPr>
             </a:lvl1pPr>
-            <a:lvl2pPr marL="342900" indent="0" algn="ctr">
+            <a:lvl2pPr marL="457200" indent="0" algn="ctr">
               <a:buNone/>
               <a:defRPr>
                 <a:solidFill>
@@ -207,7 +208,7 @@
                 </a:solidFill>
               </a:defRPr>
             </a:lvl2pPr>
-            <a:lvl3pPr marL="685800" indent="0" algn="ctr">
+            <a:lvl3pPr marL="914400" indent="0" algn="ctr">
               <a:buNone/>
               <a:defRPr>
                 <a:solidFill>
@@ -217,7 +218,7 @@
                 </a:solidFill>
               </a:defRPr>
             </a:lvl3pPr>
-            <a:lvl4pPr marL="1028700" indent="0" algn="ctr">
+            <a:lvl4pPr marL="1371600" indent="0" algn="ctr">
               <a:buNone/>
               <a:defRPr>
                 <a:solidFill>
@@ -227,7 +228,7 @@
                 </a:solidFill>
               </a:defRPr>
             </a:lvl4pPr>
-            <a:lvl5pPr marL="1371600" indent="0" algn="ctr">
+            <a:lvl5pPr marL="1828800" indent="0" algn="ctr">
               <a:buNone/>
               <a:defRPr>
                 <a:solidFill>
@@ -237,7 +238,7 @@
                 </a:solidFill>
               </a:defRPr>
             </a:lvl5pPr>
-            <a:lvl6pPr marL="1714500" indent="0" algn="ctr">
+            <a:lvl6pPr marL="2286000" indent="0" algn="ctr">
               <a:buNone/>
               <a:defRPr>
                 <a:solidFill>
@@ -247,7 +248,7 @@
                 </a:solidFill>
               </a:defRPr>
             </a:lvl6pPr>
-            <a:lvl7pPr marL="2057400" indent="0" algn="ctr">
+            <a:lvl7pPr marL="2743200" indent="0" algn="ctr">
               <a:buNone/>
               <a:defRPr>
                 <a:solidFill>
@@ -257,7 +258,7 @@
                 </a:solidFill>
               </a:defRPr>
             </a:lvl7pPr>
-            <a:lvl8pPr marL="2400300" indent="0" algn="ctr">
+            <a:lvl8pPr marL="3200400" indent="0" algn="ctr">
               <a:buNone/>
               <a:defRPr>
                 <a:solidFill>
@@ -267,7 +268,7 @@
                 </a:solidFill>
               </a:defRPr>
             </a:lvl8pPr>
-            <a:lvl9pPr marL="2743200" indent="0" algn="ctr">
+            <a:lvl9pPr marL="3657600" indent="0" algn="ctr">
               <a:buNone/>
               <a:defRPr>
                 <a:solidFill>
@@ -280,9 +281,10 @@
           </a:lstStyle>
           <a:p>
             <a:r>
-              <a:rPr lang="en-US"/>
+              <a:rPr lang="en-US" smtClean="0"/>
               <a:t>Click to edit Master subtitle style</a:t>
             </a:r>
+            <a:endParaRPr lang="en-US"/>
           </a:p>
         </p:txBody>
       </p:sp>
@@ -303,7 +305,7 @@
           <a:p>
             <a:fld id="{241EB5C9-1307-BA42-ABA2-0BC069CD8E7F}" type="datetimeFigureOut">
               <a:rPr lang="en-US" smtClean="0"/>
-              <a:t>1/2/22</a:t>
+              <a:t>4/5/2019</a:t>
             </a:fld>
             <a:endParaRPr lang="en-US"/>
           </a:p>
@@ -397,9 +399,10 @@
           <a:lstStyle/>
           <a:p>
             <a:r>
-              <a:rPr lang="en-US"/>
+              <a:rPr lang="en-US" smtClean="0"/>
               <a:t>Click to edit Master title style</a:t>
             </a:r>
+            <a:endParaRPr lang="en-US"/>
           </a:p>
         </p:txBody>
       </p:sp>
@@ -420,37 +423,38 @@
           <a:p>
             <a:pPr lvl="0"/>
             <a:r>
-              <a:rPr lang="en-US"/>
+              <a:rPr lang="en-US" smtClean="0"/>
               <a:t>Click to edit Master text styles</a:t>
             </a:r>
           </a:p>
           <a:p>
             <a:pPr lvl="1"/>
             <a:r>
-              <a:rPr lang="en-US"/>
+              <a:rPr lang="en-US" smtClean="0"/>
               <a:t>Second level</a:t>
             </a:r>
           </a:p>
           <a:p>
             <a:pPr lvl="2"/>
             <a:r>
-              <a:rPr lang="en-US"/>
+              <a:rPr lang="en-US" smtClean="0"/>
               <a:t>Third level</a:t>
             </a:r>
           </a:p>
           <a:p>
             <a:pPr lvl="3"/>
             <a:r>
-              <a:rPr lang="en-US"/>
+              <a:rPr lang="en-US" smtClean="0"/>
               <a:t>Fourth level</a:t>
             </a:r>
           </a:p>
           <a:p>
             <a:pPr lvl="4"/>
             <a:r>
-              <a:rPr lang="en-US"/>
+              <a:rPr lang="en-US" smtClean="0"/>
               <a:t>Fifth level</a:t>
             </a:r>
+            <a:endParaRPr lang="en-US"/>
           </a:p>
         </p:txBody>
       </p:sp>
@@ -471,7 +475,7 @@
           <a:p>
             <a:fld id="{241EB5C9-1307-BA42-ABA2-0BC069CD8E7F}" type="datetimeFigureOut">
               <a:rPr lang="en-US" smtClean="0"/>
-              <a:t>1/2/22</a:t>
+              <a:t>4/5/2019</a:t>
             </a:fld>
             <a:endParaRPr lang="en-US"/>
           </a:p>
@@ -561,8 +565,8 @@
         </p:nvSpPr>
         <p:spPr>
           <a:xfrm>
-            <a:off x="6629400" y="205979"/>
-            <a:ext cx="2057400" cy="4388644"/>
+            <a:off x="6629400" y="274638"/>
+            <a:ext cx="2057400" cy="5851525"/>
           </a:xfrm>
         </p:spPr>
         <p:txBody>
@@ -570,9 +574,10 @@
           <a:lstStyle/>
           <a:p>
             <a:r>
-              <a:rPr lang="en-US"/>
+              <a:rPr lang="en-US" smtClean="0"/>
               <a:t>Click to edit Master title style</a:t>
             </a:r>
+            <a:endParaRPr lang="en-US"/>
           </a:p>
         </p:txBody>
       </p:sp>
@@ -588,8 +593,8 @@
         </p:nvSpPr>
         <p:spPr>
           <a:xfrm>
-            <a:off x="457200" y="205979"/>
-            <a:ext cx="6019800" cy="4388644"/>
+            <a:off x="457200" y="274638"/>
+            <a:ext cx="6019800" cy="5851525"/>
           </a:xfrm>
         </p:spPr>
         <p:txBody>
@@ -598,37 +603,38 @@
           <a:p>
             <a:pPr lvl="0"/>
             <a:r>
-              <a:rPr lang="en-US"/>
+              <a:rPr lang="en-US" smtClean="0"/>
               <a:t>Click to edit Master text styles</a:t>
             </a:r>
           </a:p>
           <a:p>
             <a:pPr lvl="1"/>
             <a:r>
-              <a:rPr lang="en-US"/>
+              <a:rPr lang="en-US" smtClean="0"/>
               <a:t>Second level</a:t>
             </a:r>
           </a:p>
           <a:p>
             <a:pPr lvl="2"/>
             <a:r>
-              <a:rPr lang="en-US"/>
+              <a:rPr lang="en-US" smtClean="0"/>
               <a:t>Third level</a:t>
             </a:r>
           </a:p>
           <a:p>
             <a:pPr lvl="3"/>
             <a:r>
-              <a:rPr lang="en-US"/>
+              <a:rPr lang="en-US" smtClean="0"/>
               <a:t>Fourth level</a:t>
             </a:r>
           </a:p>
           <a:p>
             <a:pPr lvl="4"/>
             <a:r>
-              <a:rPr lang="en-US"/>
+              <a:rPr lang="en-US" smtClean="0"/>
               <a:t>Fifth level</a:t>
             </a:r>
+            <a:endParaRPr lang="en-US"/>
           </a:p>
         </p:txBody>
       </p:sp>
@@ -649,7 +655,7 @@
           <a:p>
             <a:fld id="{241EB5C9-1307-BA42-ABA2-0BC069CD8E7F}" type="datetimeFigureOut">
               <a:rPr lang="en-US" smtClean="0"/>
-              <a:t>1/2/22</a:t>
+              <a:t>4/5/2019</a:t>
             </a:fld>
             <a:endParaRPr lang="en-US"/>
           </a:p>
@@ -743,9 +749,10 @@
           <a:lstStyle/>
           <a:p>
             <a:r>
-              <a:rPr lang="en-US"/>
+              <a:rPr lang="en-US" smtClean="0"/>
               <a:t>Click to edit Master title style</a:t>
             </a:r>
+            <a:endParaRPr lang="en-US"/>
           </a:p>
         </p:txBody>
       </p:sp>
@@ -766,37 +773,38 @@
           <a:p>
             <a:pPr lvl="0"/>
             <a:r>
-              <a:rPr lang="en-US"/>
+              <a:rPr lang="en-US" smtClean="0"/>
               <a:t>Click to edit Master text styles</a:t>
             </a:r>
           </a:p>
           <a:p>
             <a:pPr lvl="1"/>
             <a:r>
-              <a:rPr lang="en-US"/>
+              <a:rPr lang="en-US" smtClean="0"/>
               <a:t>Second level</a:t>
             </a:r>
           </a:p>
           <a:p>
             <a:pPr lvl="2"/>
             <a:r>
-              <a:rPr lang="en-US"/>
+              <a:rPr lang="en-US" smtClean="0"/>
               <a:t>Third level</a:t>
             </a:r>
           </a:p>
           <a:p>
             <a:pPr lvl="3"/>
             <a:r>
-              <a:rPr lang="en-US"/>
+              <a:rPr lang="en-US" smtClean="0"/>
               <a:t>Fourth level</a:t>
             </a:r>
           </a:p>
           <a:p>
             <a:pPr lvl="4"/>
             <a:r>
-              <a:rPr lang="en-US"/>
+              <a:rPr lang="en-US" smtClean="0"/>
               <a:t>Fifth level</a:t>
             </a:r>
+            <a:endParaRPr lang="en-US"/>
           </a:p>
         </p:txBody>
       </p:sp>
@@ -817,7 +825,7 @@
           <a:p>
             <a:fld id="{241EB5C9-1307-BA42-ABA2-0BC069CD8E7F}" type="datetimeFigureOut">
               <a:rPr lang="en-US" smtClean="0"/>
-              <a:t>1/2/22</a:t>
+              <a:t>4/5/2019</a:t>
             </a:fld>
             <a:endParaRPr lang="en-US"/>
           </a:p>
@@ -907,22 +915,23 @@
         </p:nvSpPr>
         <p:spPr>
           <a:xfrm>
-            <a:off x="722313" y="3305176"/>
-            <a:ext cx="7772400" cy="1021556"/>
+            <a:off x="722313" y="4406900"/>
+            <a:ext cx="7772400" cy="1362075"/>
           </a:xfrm>
         </p:spPr>
         <p:txBody>
           <a:bodyPr anchor="t"/>
           <a:lstStyle>
             <a:lvl1pPr algn="l">
-              <a:defRPr sz="3000" b="1" cap="all"/>
+              <a:defRPr sz="4000" b="1" cap="all"/>
             </a:lvl1pPr>
           </a:lstStyle>
           <a:p>
             <a:r>
-              <a:rPr lang="en-US"/>
+              <a:rPr lang="en-US" smtClean="0"/>
               <a:t>Click to edit Master title style</a:t>
             </a:r>
+            <a:endParaRPr lang="en-US"/>
           </a:p>
         </p:txBody>
       </p:sp>
@@ -938,8 +947,8 @@
         </p:nvSpPr>
         <p:spPr>
           <a:xfrm>
-            <a:off x="722313" y="2180035"/>
-            <a:ext cx="7772400" cy="1125140"/>
+            <a:off x="722313" y="2906713"/>
+            <a:ext cx="7772400" cy="1500187"/>
           </a:xfrm>
         </p:spPr>
         <p:txBody>
@@ -947,7 +956,7 @@
           <a:lstStyle>
             <a:lvl1pPr marL="0" indent="0">
               <a:buNone/>
-              <a:defRPr sz="1500">
+              <a:defRPr sz="2000">
                 <a:solidFill>
                   <a:schemeClr val="tx1">
                     <a:tint val="75000"/>
@@ -955,9 +964,9 @@
                 </a:solidFill>
               </a:defRPr>
             </a:lvl1pPr>
-            <a:lvl2pPr marL="342900" indent="0">
-              <a:buNone/>
-              <a:defRPr sz="1350">
+            <a:lvl2pPr marL="457200" indent="0">
+              <a:buNone/>
+              <a:defRPr sz="1800">
                 <a:solidFill>
                   <a:schemeClr val="tx1">
                     <a:tint val="75000"/>
@@ -965,9 +974,9 @@
                 </a:solidFill>
               </a:defRPr>
             </a:lvl2pPr>
-            <a:lvl3pPr marL="685800" indent="0">
-              <a:buNone/>
-              <a:defRPr sz="1200">
+            <a:lvl3pPr marL="914400" indent="0">
+              <a:buNone/>
+              <a:defRPr sz="1600">
                 <a:solidFill>
                   <a:schemeClr val="tx1">
                     <a:tint val="75000"/>
@@ -975,9 +984,9 @@
                 </a:solidFill>
               </a:defRPr>
             </a:lvl3pPr>
-            <a:lvl4pPr marL="1028700" indent="0">
-              <a:buNone/>
-              <a:defRPr sz="1050">
+            <a:lvl4pPr marL="1371600" indent="0">
+              <a:buNone/>
+              <a:defRPr sz="1400">
                 <a:solidFill>
                   <a:schemeClr val="tx1">
                     <a:tint val="75000"/>
@@ -985,9 +994,9 @@
                 </a:solidFill>
               </a:defRPr>
             </a:lvl4pPr>
-            <a:lvl5pPr marL="1371600" indent="0">
-              <a:buNone/>
-              <a:defRPr sz="1050">
+            <a:lvl5pPr marL="1828800" indent="0">
+              <a:buNone/>
+              <a:defRPr sz="1400">
                 <a:solidFill>
                   <a:schemeClr val="tx1">
                     <a:tint val="75000"/>
@@ -995,9 +1004,9 @@
                 </a:solidFill>
               </a:defRPr>
             </a:lvl5pPr>
-            <a:lvl6pPr marL="1714500" indent="0">
-              <a:buNone/>
-              <a:defRPr sz="1050">
+            <a:lvl6pPr marL="2286000" indent="0">
+              <a:buNone/>
+              <a:defRPr sz="1400">
                 <a:solidFill>
                   <a:schemeClr val="tx1">
                     <a:tint val="75000"/>
@@ -1005,9 +1014,9 @@
                 </a:solidFill>
               </a:defRPr>
             </a:lvl6pPr>
-            <a:lvl7pPr marL="2057400" indent="0">
-              <a:buNone/>
-              <a:defRPr sz="1050">
+            <a:lvl7pPr marL="2743200" indent="0">
+              <a:buNone/>
+              <a:defRPr sz="1400">
                 <a:solidFill>
                   <a:schemeClr val="tx1">
                     <a:tint val="75000"/>
@@ -1015,9 +1024,9 @@
                 </a:solidFill>
               </a:defRPr>
             </a:lvl7pPr>
-            <a:lvl8pPr marL="2400300" indent="0">
-              <a:buNone/>
-              <a:defRPr sz="1050">
+            <a:lvl8pPr marL="3200400" indent="0">
+              <a:buNone/>
+              <a:defRPr sz="1400">
                 <a:solidFill>
                   <a:schemeClr val="tx1">
                     <a:tint val="75000"/>
@@ -1025,9 +1034,9 @@
                 </a:solidFill>
               </a:defRPr>
             </a:lvl8pPr>
-            <a:lvl9pPr marL="2743200" indent="0">
-              <a:buNone/>
-              <a:defRPr sz="1050">
+            <a:lvl9pPr marL="3657600" indent="0">
+              <a:buNone/>
+              <a:defRPr sz="1400">
                 <a:solidFill>
                   <a:schemeClr val="tx1">
                     <a:tint val="75000"/>
@@ -1039,7 +1048,7 @@
           <a:p>
             <a:pPr lvl="0"/>
             <a:r>
-              <a:rPr lang="en-US"/>
+              <a:rPr lang="en-US" smtClean="0"/>
               <a:t>Click to edit Master text styles</a:t>
             </a:r>
           </a:p>
@@ -1062,7 +1071,7 @@
           <a:p>
             <a:fld id="{241EB5C9-1307-BA42-ABA2-0BC069CD8E7F}" type="datetimeFigureOut">
               <a:rPr lang="en-US" smtClean="0"/>
-              <a:t>1/2/22</a:t>
+              <a:t>4/5/2019</a:t>
             </a:fld>
             <a:endParaRPr lang="en-US"/>
           </a:p>
@@ -1156,9 +1165,10 @@
           <a:lstStyle/>
           <a:p>
             <a:r>
-              <a:rPr lang="en-US"/>
+              <a:rPr lang="en-US" smtClean="0"/>
               <a:t>Click to edit Master title style</a:t>
             </a:r>
+            <a:endParaRPr lang="en-US"/>
           </a:p>
         </p:txBody>
       </p:sp>
@@ -1174,75 +1184,76 @@
         </p:nvSpPr>
         <p:spPr>
           <a:xfrm>
-            <a:off x="457200" y="1200151"/>
-            <a:ext cx="4038600" cy="3394472"/>
+            <a:off x="457200" y="1600200"/>
+            <a:ext cx="4038600" cy="4525963"/>
           </a:xfrm>
         </p:spPr>
         <p:txBody>
           <a:bodyPr/>
           <a:lstStyle>
             <a:lvl1pPr>
-              <a:defRPr sz="2100"/>
+              <a:defRPr sz="2800"/>
             </a:lvl1pPr>
             <a:lvl2pPr>
-              <a:defRPr sz="1800"/>
+              <a:defRPr sz="2400"/>
             </a:lvl2pPr>
             <a:lvl3pPr>
-              <a:defRPr sz="1500"/>
+              <a:defRPr sz="2000"/>
             </a:lvl3pPr>
             <a:lvl4pPr>
-              <a:defRPr sz="1350"/>
+              <a:defRPr sz="1800"/>
             </a:lvl4pPr>
             <a:lvl5pPr>
-              <a:defRPr sz="1350"/>
+              <a:defRPr sz="1800"/>
             </a:lvl5pPr>
             <a:lvl6pPr>
-              <a:defRPr sz="1350"/>
+              <a:defRPr sz="1800"/>
             </a:lvl6pPr>
             <a:lvl7pPr>
-              <a:defRPr sz="1350"/>
+              <a:defRPr sz="1800"/>
             </a:lvl7pPr>
             <a:lvl8pPr>
-              <a:defRPr sz="1350"/>
+              <a:defRPr sz="1800"/>
             </a:lvl8pPr>
             <a:lvl9pPr>
-              <a:defRPr sz="1350"/>
+              <a:defRPr sz="1800"/>
             </a:lvl9pPr>
           </a:lstStyle>
           <a:p>
             <a:pPr lvl="0"/>
             <a:r>
-              <a:rPr lang="en-US"/>
+              <a:rPr lang="en-US" smtClean="0"/>
               <a:t>Click to edit Master text styles</a:t>
             </a:r>
           </a:p>
           <a:p>
             <a:pPr lvl="1"/>
             <a:r>
-              <a:rPr lang="en-US"/>
+              <a:rPr lang="en-US" smtClean="0"/>
               <a:t>Second level</a:t>
             </a:r>
           </a:p>
           <a:p>
             <a:pPr lvl="2"/>
             <a:r>
-              <a:rPr lang="en-US"/>
+              <a:rPr lang="en-US" smtClean="0"/>
               <a:t>Third level</a:t>
             </a:r>
           </a:p>
           <a:p>
             <a:pPr lvl="3"/>
             <a:r>
-              <a:rPr lang="en-US"/>
+              <a:rPr lang="en-US" smtClean="0"/>
               <a:t>Fourth level</a:t>
             </a:r>
           </a:p>
           <a:p>
             <a:pPr lvl="4"/>
             <a:r>
-              <a:rPr lang="en-US"/>
+              <a:rPr lang="en-US" smtClean="0"/>
               <a:t>Fifth level</a:t>
             </a:r>
+            <a:endParaRPr lang="en-US"/>
           </a:p>
         </p:txBody>
       </p:sp>
@@ -1258,75 +1269,76 @@
         </p:nvSpPr>
         <p:spPr>
           <a:xfrm>
-            <a:off x="4648200" y="1200151"/>
-            <a:ext cx="4038600" cy="3394472"/>
+            <a:off x="4648200" y="1600200"/>
+            <a:ext cx="4038600" cy="4525963"/>
           </a:xfrm>
         </p:spPr>
         <p:txBody>
           <a:bodyPr/>
           <a:lstStyle>
             <a:lvl1pPr>
-              <a:defRPr sz="2100"/>
+              <a:defRPr sz="2800"/>
             </a:lvl1pPr>
             <a:lvl2pPr>
-              <a:defRPr sz="1800"/>
+              <a:defRPr sz="2400"/>
             </a:lvl2pPr>
             <a:lvl3pPr>
-              <a:defRPr sz="1500"/>
+              <a:defRPr sz="2000"/>
             </a:lvl3pPr>
             <a:lvl4pPr>
-              <a:defRPr sz="1350"/>
+              <a:defRPr sz="1800"/>
             </a:lvl4pPr>
             <a:lvl5pPr>
-              <a:defRPr sz="1350"/>
+              <a:defRPr sz="1800"/>
             </a:lvl5pPr>
             <a:lvl6pPr>
-              <a:defRPr sz="1350"/>
+              <a:defRPr sz="1800"/>
             </a:lvl6pPr>
             <a:lvl7pPr>
-              <a:defRPr sz="1350"/>
+              <a:defRPr sz="1800"/>
             </a:lvl7pPr>
             <a:lvl8pPr>
-              <a:defRPr sz="1350"/>
+              <a:defRPr sz="1800"/>
             </a:lvl8pPr>
             <a:lvl9pPr>
-              <a:defRPr sz="1350"/>
+              <a:defRPr sz="1800"/>
             </a:lvl9pPr>
           </a:lstStyle>
           <a:p>
             <a:pPr lvl="0"/>
             <a:r>
-              <a:rPr lang="en-US"/>
+              <a:rPr lang="en-US" smtClean="0"/>
               <a:t>Click to edit Master text styles</a:t>
             </a:r>
           </a:p>
           <a:p>
             <a:pPr lvl="1"/>
             <a:r>
-              <a:rPr lang="en-US"/>
+              <a:rPr lang="en-US" smtClean="0"/>
               <a:t>Second level</a:t>
             </a:r>
           </a:p>
           <a:p>
             <a:pPr lvl="2"/>
             <a:r>
-              <a:rPr lang="en-US"/>
+              <a:rPr lang="en-US" smtClean="0"/>
               <a:t>Third level</a:t>
             </a:r>
           </a:p>
           <a:p>
             <a:pPr lvl="3"/>
             <a:r>
-              <a:rPr lang="en-US"/>
+              <a:rPr lang="en-US" smtClean="0"/>
               <a:t>Fourth level</a:t>
             </a:r>
           </a:p>
           <a:p>
             <a:pPr lvl="4"/>
             <a:r>
-              <a:rPr lang="en-US"/>
+              <a:rPr lang="en-US" smtClean="0"/>
               <a:t>Fifth level</a:t>
             </a:r>
+            <a:endParaRPr lang="en-US"/>
           </a:p>
         </p:txBody>
       </p:sp>
@@ -1347,7 +1359,7 @@
           <a:p>
             <a:fld id="{241EB5C9-1307-BA42-ABA2-0BC069CD8E7F}" type="datetimeFigureOut">
               <a:rPr lang="en-US" smtClean="0"/>
-              <a:t>1/2/22</a:t>
+              <a:t>4/5/2019</a:t>
             </a:fld>
             <a:endParaRPr lang="en-US"/>
           </a:p>
@@ -1445,9 +1457,10 @@
           </a:lstStyle>
           <a:p>
             <a:r>
-              <a:rPr lang="en-US"/>
+              <a:rPr lang="en-US" smtClean="0"/>
               <a:t>Click to edit Master title style</a:t>
             </a:r>
+            <a:endParaRPr lang="en-US"/>
           </a:p>
         </p:txBody>
       </p:sp>
@@ -1463,8 +1476,8 @@
         </p:nvSpPr>
         <p:spPr>
           <a:xfrm>
-            <a:off x="457200" y="1151335"/>
-            <a:ext cx="4040188" cy="479822"/>
+            <a:off x="457200" y="1535113"/>
+            <a:ext cx="4040188" cy="639762"/>
           </a:xfrm>
         </p:spPr>
         <p:txBody>
@@ -1472,45 +1485,45 @@
           <a:lstStyle>
             <a:lvl1pPr marL="0" indent="0">
               <a:buNone/>
+              <a:defRPr sz="2400" b="1"/>
+            </a:lvl1pPr>
+            <a:lvl2pPr marL="457200" indent="0">
+              <a:buNone/>
+              <a:defRPr sz="2000" b="1"/>
+            </a:lvl2pPr>
+            <a:lvl3pPr marL="914400" indent="0">
+              <a:buNone/>
               <a:defRPr sz="1800" b="1"/>
-            </a:lvl1pPr>
-            <a:lvl2pPr marL="342900" indent="0">
-              <a:buNone/>
-              <a:defRPr sz="1500" b="1"/>
-            </a:lvl2pPr>
-            <a:lvl3pPr marL="685800" indent="0">
-              <a:buNone/>
-              <a:defRPr sz="1350" b="1"/>
             </a:lvl3pPr>
-            <a:lvl4pPr marL="1028700" indent="0">
-              <a:buNone/>
-              <a:defRPr sz="1200" b="1"/>
+            <a:lvl4pPr marL="1371600" indent="0">
+              <a:buNone/>
+              <a:defRPr sz="1600" b="1"/>
             </a:lvl4pPr>
-            <a:lvl5pPr marL="1371600" indent="0">
-              <a:buNone/>
-              <a:defRPr sz="1200" b="1"/>
+            <a:lvl5pPr marL="1828800" indent="0">
+              <a:buNone/>
+              <a:defRPr sz="1600" b="1"/>
             </a:lvl5pPr>
-            <a:lvl6pPr marL="1714500" indent="0">
-              <a:buNone/>
-              <a:defRPr sz="1200" b="1"/>
+            <a:lvl6pPr marL="2286000" indent="0">
+              <a:buNone/>
+              <a:defRPr sz="1600" b="1"/>
             </a:lvl6pPr>
-            <a:lvl7pPr marL="2057400" indent="0">
-              <a:buNone/>
-              <a:defRPr sz="1200" b="1"/>
+            <a:lvl7pPr marL="2743200" indent="0">
+              <a:buNone/>
+              <a:defRPr sz="1600" b="1"/>
             </a:lvl7pPr>
-            <a:lvl8pPr marL="2400300" indent="0">
-              <a:buNone/>
-              <a:defRPr sz="1200" b="1"/>
+            <a:lvl8pPr marL="3200400" indent="0">
+              <a:buNone/>
+              <a:defRPr sz="1600" b="1"/>
             </a:lvl8pPr>
-            <a:lvl9pPr marL="2743200" indent="0">
-              <a:buNone/>
-              <a:defRPr sz="1200" b="1"/>
+            <a:lvl9pPr marL="3657600" indent="0">
+              <a:buNone/>
+              <a:defRPr sz="1600" b="1"/>
             </a:lvl9pPr>
           </a:lstStyle>
           <a:p>
             <a:pPr lvl="0"/>
             <a:r>
-              <a:rPr lang="en-US"/>
+              <a:rPr lang="en-US" smtClean="0"/>
               <a:t>Click to edit Master text styles</a:t>
             </a:r>
           </a:p>
@@ -1528,75 +1541,76 @@
         </p:nvSpPr>
         <p:spPr>
           <a:xfrm>
-            <a:off x="457200" y="1631156"/>
-            <a:ext cx="4040188" cy="2963466"/>
+            <a:off x="457200" y="2174875"/>
+            <a:ext cx="4040188" cy="3951288"/>
           </a:xfrm>
         </p:spPr>
         <p:txBody>
           <a:bodyPr/>
           <a:lstStyle>
             <a:lvl1pPr>
-              <a:defRPr sz="1800"/>
+              <a:defRPr sz="2400"/>
             </a:lvl1pPr>
             <a:lvl2pPr>
-              <a:defRPr sz="1500"/>
+              <a:defRPr sz="2000"/>
             </a:lvl2pPr>
             <a:lvl3pPr>
-              <a:defRPr sz="1350"/>
+              <a:defRPr sz="1800"/>
             </a:lvl3pPr>
             <a:lvl4pPr>
-              <a:defRPr sz="1200"/>
+              <a:defRPr sz="1600"/>
             </a:lvl4pPr>
             <a:lvl5pPr>
-              <a:defRPr sz="1200"/>
+              <a:defRPr sz="1600"/>
             </a:lvl5pPr>
             <a:lvl6pPr>
-              <a:defRPr sz="1200"/>
+              <a:defRPr sz="1600"/>
             </a:lvl6pPr>
             <a:lvl7pPr>
-              <a:defRPr sz="1200"/>
+              <a:defRPr sz="1600"/>
             </a:lvl7pPr>
             <a:lvl8pPr>
-              <a:defRPr sz="1200"/>
+              <a:defRPr sz="1600"/>
             </a:lvl8pPr>
             <a:lvl9pPr>
-              <a:defRPr sz="1200"/>
+              <a:defRPr sz="1600"/>
             </a:lvl9pPr>
           </a:lstStyle>
           <a:p>
             <a:pPr lvl="0"/>
             <a:r>
-              <a:rPr lang="en-US"/>
+              <a:rPr lang="en-US" smtClean="0"/>
               <a:t>Click to edit Master text styles</a:t>
             </a:r>
           </a:p>
           <a:p>
             <a:pPr lvl="1"/>
             <a:r>
-              <a:rPr lang="en-US"/>
+              <a:rPr lang="en-US" smtClean="0"/>
               <a:t>Second level</a:t>
             </a:r>
           </a:p>
           <a:p>
             <a:pPr lvl="2"/>
             <a:r>
-              <a:rPr lang="en-US"/>
+              <a:rPr lang="en-US" smtClean="0"/>
               <a:t>Third level</a:t>
             </a:r>
           </a:p>
           <a:p>
             <a:pPr lvl="3"/>
             <a:r>
-              <a:rPr lang="en-US"/>
+              <a:rPr lang="en-US" smtClean="0"/>
               <a:t>Fourth level</a:t>
             </a:r>
           </a:p>
           <a:p>
             <a:pPr lvl="4"/>
             <a:r>
-              <a:rPr lang="en-US"/>
+              <a:rPr lang="en-US" smtClean="0"/>
               <a:t>Fifth level</a:t>
             </a:r>
+            <a:endParaRPr lang="en-US"/>
           </a:p>
         </p:txBody>
       </p:sp>
@@ -1612,8 +1626,8 @@
         </p:nvSpPr>
         <p:spPr>
           <a:xfrm>
-            <a:off x="4645026" y="1151335"/>
-            <a:ext cx="4041775" cy="479822"/>
+            <a:off x="4645025" y="1535113"/>
+            <a:ext cx="4041775" cy="639762"/>
           </a:xfrm>
         </p:spPr>
         <p:txBody>
@@ -1621,45 +1635,45 @@
           <a:lstStyle>
             <a:lvl1pPr marL="0" indent="0">
               <a:buNone/>
+              <a:defRPr sz="2400" b="1"/>
+            </a:lvl1pPr>
+            <a:lvl2pPr marL="457200" indent="0">
+              <a:buNone/>
+              <a:defRPr sz="2000" b="1"/>
+            </a:lvl2pPr>
+            <a:lvl3pPr marL="914400" indent="0">
+              <a:buNone/>
               <a:defRPr sz="1800" b="1"/>
-            </a:lvl1pPr>
-            <a:lvl2pPr marL="342900" indent="0">
-              <a:buNone/>
-              <a:defRPr sz="1500" b="1"/>
-            </a:lvl2pPr>
-            <a:lvl3pPr marL="685800" indent="0">
-              <a:buNone/>
-              <a:defRPr sz="1350" b="1"/>
             </a:lvl3pPr>
-            <a:lvl4pPr marL="1028700" indent="0">
-              <a:buNone/>
-              <a:defRPr sz="1200" b="1"/>
+            <a:lvl4pPr marL="1371600" indent="0">
+              <a:buNone/>
+              <a:defRPr sz="1600" b="1"/>
             </a:lvl4pPr>
-            <a:lvl5pPr marL="1371600" indent="0">
-              <a:buNone/>
-              <a:defRPr sz="1200" b="1"/>
+            <a:lvl5pPr marL="1828800" indent="0">
+              <a:buNone/>
+              <a:defRPr sz="1600" b="1"/>
             </a:lvl5pPr>
-            <a:lvl6pPr marL="1714500" indent="0">
-              <a:buNone/>
-              <a:defRPr sz="1200" b="1"/>
+            <a:lvl6pPr marL="2286000" indent="0">
+              <a:buNone/>
+              <a:defRPr sz="1600" b="1"/>
             </a:lvl6pPr>
-            <a:lvl7pPr marL="2057400" indent="0">
-              <a:buNone/>
-              <a:defRPr sz="1200" b="1"/>
+            <a:lvl7pPr marL="2743200" indent="0">
+              <a:buNone/>
+              <a:defRPr sz="1600" b="1"/>
             </a:lvl7pPr>
-            <a:lvl8pPr marL="2400300" indent="0">
-              <a:buNone/>
-              <a:defRPr sz="1200" b="1"/>
+            <a:lvl8pPr marL="3200400" indent="0">
+              <a:buNone/>
+              <a:defRPr sz="1600" b="1"/>
             </a:lvl8pPr>
-            <a:lvl9pPr marL="2743200" indent="0">
-              <a:buNone/>
-              <a:defRPr sz="1200" b="1"/>
+            <a:lvl9pPr marL="3657600" indent="0">
+              <a:buNone/>
+              <a:defRPr sz="1600" b="1"/>
             </a:lvl9pPr>
           </a:lstStyle>
           <a:p>
             <a:pPr lvl="0"/>
             <a:r>
-              <a:rPr lang="en-US"/>
+              <a:rPr lang="en-US" smtClean="0"/>
               <a:t>Click to edit Master text styles</a:t>
             </a:r>
           </a:p>
@@ -1677,75 +1691,76 @@
         </p:nvSpPr>
         <p:spPr>
           <a:xfrm>
-            <a:off x="4645026" y="1631156"/>
-            <a:ext cx="4041775" cy="2963466"/>
+            <a:off x="4645025" y="2174875"/>
+            <a:ext cx="4041775" cy="3951288"/>
           </a:xfrm>
         </p:spPr>
         <p:txBody>
           <a:bodyPr/>
           <a:lstStyle>
             <a:lvl1pPr>
-              <a:defRPr sz="1800"/>
+              <a:defRPr sz="2400"/>
             </a:lvl1pPr>
             <a:lvl2pPr>
-              <a:defRPr sz="1500"/>
+              <a:defRPr sz="2000"/>
             </a:lvl2pPr>
             <a:lvl3pPr>
-              <a:defRPr sz="1350"/>
+              <a:defRPr sz="1800"/>
             </a:lvl3pPr>
             <a:lvl4pPr>
-              <a:defRPr sz="1200"/>
+              <a:defRPr sz="1600"/>
             </a:lvl4pPr>
             <a:lvl5pPr>
-              <a:defRPr sz="1200"/>
+              <a:defRPr sz="1600"/>
             </a:lvl5pPr>
             <a:lvl6pPr>
-              <a:defRPr sz="1200"/>
+              <a:defRPr sz="1600"/>
             </a:lvl6pPr>
             <a:lvl7pPr>
-              <a:defRPr sz="1200"/>
+              <a:defRPr sz="1600"/>
             </a:lvl7pPr>
             <a:lvl8pPr>
-              <a:defRPr sz="1200"/>
+              <a:defRPr sz="1600"/>
             </a:lvl8pPr>
             <a:lvl9pPr>
-              <a:defRPr sz="1200"/>
+              <a:defRPr sz="1600"/>
             </a:lvl9pPr>
           </a:lstStyle>
           <a:p>
             <a:pPr lvl="0"/>
             <a:r>
-              <a:rPr lang="en-US"/>
+              <a:rPr lang="en-US" smtClean="0"/>
               <a:t>Click to edit Master text styles</a:t>
             </a:r>
           </a:p>
           <a:p>
             <a:pPr lvl="1"/>
             <a:r>
-              <a:rPr lang="en-US"/>
+              <a:rPr lang="en-US" smtClean="0"/>
               <a:t>Second level</a:t>
             </a:r>
           </a:p>
           <a:p>
             <a:pPr lvl="2"/>
             <a:r>
-              <a:rPr lang="en-US"/>
+              <a:rPr lang="en-US" smtClean="0"/>
               <a:t>Third level</a:t>
             </a:r>
           </a:p>
           <a:p>
             <a:pPr lvl="3"/>
             <a:r>
-              <a:rPr lang="en-US"/>
+              <a:rPr lang="en-US" smtClean="0"/>
               <a:t>Fourth level</a:t>
             </a:r>
           </a:p>
           <a:p>
             <a:pPr lvl="4"/>
             <a:r>
-              <a:rPr lang="en-US"/>
+              <a:rPr lang="en-US" smtClean="0"/>
               <a:t>Fifth level</a:t>
             </a:r>
+            <a:endParaRPr lang="en-US"/>
           </a:p>
         </p:txBody>
       </p:sp>
@@ -1766,7 +1781,7 @@
           <a:p>
             <a:fld id="{241EB5C9-1307-BA42-ABA2-0BC069CD8E7F}" type="datetimeFigureOut">
               <a:rPr lang="en-US" smtClean="0"/>
-              <a:t>1/2/22</a:t>
+              <a:t>4/5/2019</a:t>
             </a:fld>
             <a:endParaRPr lang="en-US"/>
           </a:p>
@@ -1860,9 +1875,10 @@
           <a:lstStyle/>
           <a:p>
             <a:r>
-              <a:rPr lang="en-US"/>
+              <a:rPr lang="en-US" smtClean="0"/>
               <a:t>Click to edit Master title style</a:t>
             </a:r>
+            <a:endParaRPr lang="en-US"/>
           </a:p>
         </p:txBody>
       </p:sp>
@@ -1883,7 +1899,7 @@
           <a:p>
             <a:fld id="{241EB5C9-1307-BA42-ABA2-0BC069CD8E7F}" type="datetimeFigureOut">
               <a:rPr lang="en-US" smtClean="0"/>
-              <a:t>1/2/22</a:t>
+              <a:t>4/5/2019</a:t>
             </a:fld>
             <a:endParaRPr lang="en-US"/>
           </a:p>
@@ -1978,7 +1994,7 @@
           <a:p>
             <a:fld id="{241EB5C9-1307-BA42-ABA2-0BC069CD8E7F}" type="datetimeFigureOut">
               <a:rPr lang="en-US" smtClean="0"/>
-              <a:t>1/2/22</a:t>
+              <a:t>4/5/2019</a:t>
             </a:fld>
             <a:endParaRPr lang="en-US"/>
           </a:p>
@@ -2068,22 +2084,23 @@
         </p:nvSpPr>
         <p:spPr>
           <a:xfrm>
-            <a:off x="457201" y="204787"/>
-            <a:ext cx="3008313" cy="871538"/>
+            <a:off x="457200" y="273050"/>
+            <a:ext cx="3008313" cy="1162050"/>
           </a:xfrm>
         </p:spPr>
         <p:txBody>
           <a:bodyPr anchor="b"/>
           <a:lstStyle>
             <a:lvl1pPr algn="l">
-              <a:defRPr sz="1500" b="1"/>
+              <a:defRPr sz="2000" b="1"/>
             </a:lvl1pPr>
           </a:lstStyle>
           <a:p>
             <a:r>
-              <a:rPr lang="en-US"/>
+              <a:rPr lang="en-US" smtClean="0"/>
               <a:t>Click to edit Master title style</a:t>
             </a:r>
+            <a:endParaRPr lang="en-US"/>
           </a:p>
         </p:txBody>
       </p:sp>
@@ -2099,75 +2116,76 @@
         </p:nvSpPr>
         <p:spPr>
           <a:xfrm>
-            <a:off x="3575050" y="204788"/>
-            <a:ext cx="5111750" cy="4389835"/>
+            <a:off x="3575050" y="273050"/>
+            <a:ext cx="5111750" cy="5853113"/>
           </a:xfrm>
         </p:spPr>
         <p:txBody>
           <a:bodyPr/>
           <a:lstStyle>
             <a:lvl1pPr>
-              <a:defRPr sz="2400"/>
+              <a:defRPr sz="3200"/>
             </a:lvl1pPr>
             <a:lvl2pPr>
-              <a:defRPr sz="2100"/>
+              <a:defRPr sz="2800"/>
             </a:lvl2pPr>
             <a:lvl3pPr>
-              <a:defRPr sz="1800"/>
+              <a:defRPr sz="2400"/>
             </a:lvl3pPr>
             <a:lvl4pPr>
-              <a:defRPr sz="1500"/>
+              <a:defRPr sz="2000"/>
             </a:lvl4pPr>
             <a:lvl5pPr>
-              <a:defRPr sz="1500"/>
+              <a:defRPr sz="2000"/>
             </a:lvl5pPr>
             <a:lvl6pPr>
-              <a:defRPr sz="1500"/>
+              <a:defRPr sz="2000"/>
             </a:lvl6pPr>
             <a:lvl7pPr>
-              <a:defRPr sz="1500"/>
+              <a:defRPr sz="2000"/>
             </a:lvl7pPr>
             <a:lvl8pPr>
-              <a:defRPr sz="1500"/>
+              <a:defRPr sz="2000"/>
             </a:lvl8pPr>
             <a:lvl9pPr>
-              <a:defRPr sz="1500"/>
+              <a:defRPr sz="2000"/>
             </a:lvl9pPr>
           </a:lstStyle>
           <a:p>
             <a:pPr lvl="0"/>
             <a:r>
-              <a:rPr lang="en-US"/>
+              <a:rPr lang="en-US" smtClean="0"/>
               <a:t>Click to edit Master text styles</a:t>
             </a:r>
           </a:p>
           <a:p>
             <a:pPr lvl="1"/>
             <a:r>
-              <a:rPr lang="en-US"/>
+              <a:rPr lang="en-US" smtClean="0"/>
               <a:t>Second level</a:t>
             </a:r>
           </a:p>
           <a:p>
             <a:pPr lvl="2"/>
             <a:r>
-              <a:rPr lang="en-US"/>
+              <a:rPr lang="en-US" smtClean="0"/>
               <a:t>Third level</a:t>
             </a:r>
           </a:p>
           <a:p>
             <a:pPr lvl="3"/>
             <a:r>
-              <a:rPr lang="en-US"/>
+              <a:rPr lang="en-US" smtClean="0"/>
               <a:t>Fourth level</a:t>
             </a:r>
           </a:p>
           <a:p>
             <a:pPr lvl="4"/>
             <a:r>
-              <a:rPr lang="en-US"/>
+              <a:rPr lang="en-US" smtClean="0"/>
               <a:t>Fifth level</a:t>
             </a:r>
+            <a:endParaRPr lang="en-US"/>
           </a:p>
         </p:txBody>
       </p:sp>
@@ -2183,8 +2201,8 @@
         </p:nvSpPr>
         <p:spPr>
           <a:xfrm>
-            <a:off x="457201" y="1076326"/>
-            <a:ext cx="3008313" cy="3518297"/>
+            <a:off x="457200" y="1435100"/>
+            <a:ext cx="3008313" cy="4691063"/>
           </a:xfrm>
         </p:spPr>
         <p:txBody>
@@ -2192,45 +2210,45 @@
           <a:lstStyle>
             <a:lvl1pPr marL="0" indent="0">
               <a:buNone/>
-              <a:defRPr sz="1050"/>
+              <a:defRPr sz="1400"/>
             </a:lvl1pPr>
-            <a:lvl2pPr marL="342900" indent="0">
+            <a:lvl2pPr marL="457200" indent="0">
+              <a:buNone/>
+              <a:defRPr sz="1200"/>
+            </a:lvl2pPr>
+            <a:lvl3pPr marL="914400" indent="0">
+              <a:buNone/>
+              <a:defRPr sz="1000"/>
+            </a:lvl3pPr>
+            <a:lvl4pPr marL="1371600" indent="0">
               <a:buNone/>
               <a:defRPr sz="900"/>
-            </a:lvl2pPr>
-            <a:lvl3pPr marL="685800" indent="0">
-              <a:buNone/>
-              <a:defRPr sz="750"/>
-            </a:lvl3pPr>
-            <a:lvl4pPr marL="1028700" indent="0">
-              <a:buNone/>
-              <a:defRPr sz="675"/>
             </a:lvl4pPr>
-            <a:lvl5pPr marL="1371600" indent="0">
-              <a:buNone/>
-              <a:defRPr sz="675"/>
+            <a:lvl5pPr marL="1828800" indent="0">
+              <a:buNone/>
+              <a:defRPr sz="900"/>
             </a:lvl5pPr>
-            <a:lvl6pPr marL="1714500" indent="0">
-              <a:buNone/>
-              <a:defRPr sz="675"/>
+            <a:lvl6pPr marL="2286000" indent="0">
+              <a:buNone/>
+              <a:defRPr sz="900"/>
             </a:lvl6pPr>
-            <a:lvl7pPr marL="2057400" indent="0">
-              <a:buNone/>
-              <a:defRPr sz="675"/>
+            <a:lvl7pPr marL="2743200" indent="0">
+              <a:buNone/>
+              <a:defRPr sz="900"/>
             </a:lvl7pPr>
-            <a:lvl8pPr marL="2400300" indent="0">
-              <a:buNone/>
-              <a:defRPr sz="675"/>
+            <a:lvl8pPr marL="3200400" indent="0">
+              <a:buNone/>
+              <a:defRPr sz="900"/>
             </a:lvl8pPr>
-            <a:lvl9pPr marL="2743200" indent="0">
-              <a:buNone/>
-              <a:defRPr sz="675"/>
+            <a:lvl9pPr marL="3657600" indent="0">
+              <a:buNone/>
+              <a:defRPr sz="900"/>
             </a:lvl9pPr>
           </a:lstStyle>
           <a:p>
             <a:pPr lvl="0"/>
             <a:r>
-              <a:rPr lang="en-US"/>
+              <a:rPr lang="en-US" smtClean="0"/>
               <a:t>Click to edit Master text styles</a:t>
             </a:r>
           </a:p>
@@ -2253,7 +2271,7 @@
           <a:p>
             <a:fld id="{241EB5C9-1307-BA42-ABA2-0BC069CD8E7F}" type="datetimeFigureOut">
               <a:rPr lang="en-US" smtClean="0"/>
-              <a:t>1/2/22</a:t>
+              <a:t>4/5/2019</a:t>
             </a:fld>
             <a:endParaRPr lang="en-US"/>
           </a:p>
@@ -2343,22 +2361,23 @@
         </p:nvSpPr>
         <p:spPr>
           <a:xfrm>
-            <a:off x="1792288" y="3600450"/>
-            <a:ext cx="5486400" cy="425054"/>
+            <a:off x="1792288" y="4800600"/>
+            <a:ext cx="5486400" cy="566738"/>
           </a:xfrm>
         </p:spPr>
         <p:txBody>
           <a:bodyPr anchor="b"/>
           <a:lstStyle>
             <a:lvl1pPr algn="l">
-              <a:defRPr sz="1500" b="1"/>
+              <a:defRPr sz="2000" b="1"/>
             </a:lvl1pPr>
           </a:lstStyle>
           <a:p>
             <a:r>
-              <a:rPr lang="en-US"/>
+              <a:rPr lang="en-US" smtClean="0"/>
               <a:t>Click to edit Master title style</a:t>
             </a:r>
+            <a:endParaRPr lang="en-US"/>
           </a:p>
         </p:txBody>
       </p:sp>
@@ -2374,8 +2393,8 @@
         </p:nvSpPr>
         <p:spPr>
           <a:xfrm>
-            <a:off x="1792288" y="459581"/>
-            <a:ext cx="5486400" cy="3086100"/>
+            <a:off x="1792288" y="612775"/>
+            <a:ext cx="5486400" cy="4114800"/>
           </a:xfrm>
         </p:spPr>
         <p:txBody>
@@ -2383,39 +2402,39 @@
           <a:lstStyle>
             <a:lvl1pPr marL="0" indent="0">
               <a:buNone/>
+              <a:defRPr sz="3200"/>
+            </a:lvl1pPr>
+            <a:lvl2pPr marL="457200" indent="0">
+              <a:buNone/>
+              <a:defRPr sz="2800"/>
+            </a:lvl2pPr>
+            <a:lvl3pPr marL="914400" indent="0">
+              <a:buNone/>
               <a:defRPr sz="2400"/>
-            </a:lvl1pPr>
-            <a:lvl2pPr marL="342900" indent="0">
-              <a:buNone/>
-              <a:defRPr sz="2100"/>
-            </a:lvl2pPr>
-            <a:lvl3pPr marL="685800" indent="0">
-              <a:buNone/>
-              <a:defRPr sz="1800"/>
             </a:lvl3pPr>
-            <a:lvl4pPr marL="1028700" indent="0">
-              <a:buNone/>
-              <a:defRPr sz="1500"/>
+            <a:lvl4pPr marL="1371600" indent="0">
+              <a:buNone/>
+              <a:defRPr sz="2000"/>
             </a:lvl4pPr>
-            <a:lvl5pPr marL="1371600" indent="0">
-              <a:buNone/>
-              <a:defRPr sz="1500"/>
+            <a:lvl5pPr marL="1828800" indent="0">
+              <a:buNone/>
+              <a:defRPr sz="2000"/>
             </a:lvl5pPr>
-            <a:lvl6pPr marL="1714500" indent="0">
-              <a:buNone/>
-              <a:defRPr sz="1500"/>
+            <a:lvl6pPr marL="2286000" indent="0">
+              <a:buNone/>
+              <a:defRPr sz="2000"/>
             </a:lvl6pPr>
-            <a:lvl7pPr marL="2057400" indent="0">
-              <a:buNone/>
-              <a:defRPr sz="1500"/>
+            <a:lvl7pPr marL="2743200" indent="0">
+              <a:buNone/>
+              <a:defRPr sz="2000"/>
             </a:lvl7pPr>
-            <a:lvl8pPr marL="2400300" indent="0">
-              <a:buNone/>
-              <a:defRPr sz="1500"/>
+            <a:lvl8pPr marL="3200400" indent="0">
+              <a:buNone/>
+              <a:defRPr sz="2000"/>
             </a:lvl8pPr>
-            <a:lvl9pPr marL="2743200" indent="0">
-              <a:buNone/>
-              <a:defRPr sz="1500"/>
+            <a:lvl9pPr marL="3657600" indent="0">
+              <a:buNone/>
+              <a:defRPr sz="2000"/>
             </a:lvl9pPr>
           </a:lstStyle>
           <a:p>
@@ -2435,8 +2454,8 @@
         </p:nvSpPr>
         <p:spPr>
           <a:xfrm>
-            <a:off x="1792288" y="4025503"/>
-            <a:ext cx="5486400" cy="603647"/>
+            <a:off x="1792288" y="5367338"/>
+            <a:ext cx="5486400" cy="804862"/>
           </a:xfrm>
         </p:spPr>
         <p:txBody>
@@ -2444,45 +2463,45 @@
           <a:lstStyle>
             <a:lvl1pPr marL="0" indent="0">
               <a:buNone/>
-              <a:defRPr sz="1050"/>
+              <a:defRPr sz="1400"/>
             </a:lvl1pPr>
-            <a:lvl2pPr marL="342900" indent="0">
+            <a:lvl2pPr marL="457200" indent="0">
+              <a:buNone/>
+              <a:defRPr sz="1200"/>
+            </a:lvl2pPr>
+            <a:lvl3pPr marL="914400" indent="0">
+              <a:buNone/>
+              <a:defRPr sz="1000"/>
+            </a:lvl3pPr>
+            <a:lvl4pPr marL="1371600" indent="0">
               <a:buNone/>
               <a:defRPr sz="900"/>
-            </a:lvl2pPr>
-            <a:lvl3pPr marL="685800" indent="0">
-              <a:buNone/>
-              <a:defRPr sz="750"/>
-            </a:lvl3pPr>
-            <a:lvl4pPr marL="1028700" indent="0">
-              <a:buNone/>
-              <a:defRPr sz="675"/>
             </a:lvl4pPr>
-            <a:lvl5pPr marL="1371600" indent="0">
-              <a:buNone/>
-              <a:defRPr sz="675"/>
+            <a:lvl5pPr marL="1828800" indent="0">
+              <a:buNone/>
+              <a:defRPr sz="900"/>
             </a:lvl5pPr>
-            <a:lvl6pPr marL="1714500" indent="0">
-              <a:buNone/>
-              <a:defRPr sz="675"/>
+            <a:lvl6pPr marL="2286000" indent="0">
+              <a:buNone/>
+              <a:defRPr sz="900"/>
             </a:lvl6pPr>
-            <a:lvl7pPr marL="2057400" indent="0">
-              <a:buNone/>
-              <a:defRPr sz="675"/>
+            <a:lvl7pPr marL="2743200" indent="0">
+              <a:buNone/>
+              <a:defRPr sz="900"/>
             </a:lvl7pPr>
-            <a:lvl8pPr marL="2400300" indent="0">
-              <a:buNone/>
-              <a:defRPr sz="675"/>
+            <a:lvl8pPr marL="3200400" indent="0">
+              <a:buNone/>
+              <a:defRPr sz="900"/>
             </a:lvl8pPr>
-            <a:lvl9pPr marL="2743200" indent="0">
-              <a:buNone/>
-              <a:defRPr sz="675"/>
+            <a:lvl9pPr marL="3657600" indent="0">
+              <a:buNone/>
+              <a:defRPr sz="900"/>
             </a:lvl9pPr>
           </a:lstStyle>
           <a:p>
             <a:pPr lvl="0"/>
             <a:r>
-              <a:rPr lang="en-US"/>
+              <a:rPr lang="en-US" smtClean="0"/>
               <a:t>Click to edit Master text styles</a:t>
             </a:r>
           </a:p>
@@ -2505,7 +2524,7 @@
           <a:p>
             <a:fld id="{241EB5C9-1307-BA42-ABA2-0BC069CD8E7F}" type="datetimeFigureOut">
               <a:rPr lang="en-US" smtClean="0"/>
-              <a:t>1/2/22</a:t>
+              <a:t>4/5/2019</a:t>
             </a:fld>
             <a:endParaRPr lang="en-US"/>
           </a:p>
@@ -2567,7 +2586,7 @@
 </file>
 
 <file path=ppt/slideMasters/slideMaster1.xml><?xml version="1.0" encoding="utf-8"?>
-<p:sldMaster xmlns:a="http://schemas.openxmlformats.org/drawingml/2006/main" xmlns:p="http://schemas.openxmlformats.org/presentationml/2006/main" xmlns:r="http://schemas.openxmlformats.org/officeDocument/2006/relationships">
+<p:sldMaster xmlns:a="http://schemas.openxmlformats.org/drawingml/2006/main" xmlns:r="http://schemas.openxmlformats.org/officeDocument/2006/relationships" xmlns:p="http://schemas.openxmlformats.org/presentationml/2006/main">
   <p:cSld>
     <p:bg>
       <p:bgRef idx="1001">
@@ -2600,23 +2619,24 @@
         </p:nvSpPr>
         <p:spPr>
           <a:xfrm>
-            <a:off x="457200" y="205979"/>
-            <a:ext cx="8229600" cy="857250"/>
+            <a:off x="457200" y="274638"/>
+            <a:ext cx="8229600" cy="1143000"/>
           </a:xfrm>
           <a:prstGeom prst="rect">
             <a:avLst/>
           </a:prstGeom>
         </p:spPr>
         <p:txBody>
-          <a:bodyPr anchor="ctr" bIns="45720" lIns="91440" rIns="91440" rtlCol="0" tIns="45720" vert="horz">
+          <a:bodyPr vert="horz" lIns="91440" tIns="45720" rIns="91440" bIns="45720" rtlCol="0" anchor="ctr">
             <a:normAutofit/>
           </a:bodyPr>
           <a:lstStyle/>
           <a:p>
             <a:r>
-              <a:rPr lang="en-US"/>
+              <a:rPr lang="en-US" smtClean="0"/>
               <a:t>Click to edit Master title style</a:t>
             </a:r>
+            <a:endParaRPr lang="en-US"/>
           </a:p>
         </p:txBody>
       </p:sp>
@@ -2627,57 +2647,58 @@
             <a:spLocks noGrp="1"/>
           </p:cNvSpPr>
           <p:nvPr>
-            <p:ph idx="1" type="body"/>
+            <p:ph type="body" idx="1"/>
           </p:nvPr>
         </p:nvSpPr>
         <p:spPr>
           <a:xfrm>
-            <a:off x="457200" y="1200151"/>
-            <a:ext cx="8229600" cy="3394472"/>
+            <a:off x="457200" y="1600200"/>
+            <a:ext cx="8229600" cy="4525963"/>
           </a:xfrm>
           <a:prstGeom prst="rect">
             <a:avLst/>
           </a:prstGeom>
         </p:spPr>
         <p:txBody>
-          <a:bodyPr bIns="45720" lIns="91440" rIns="91440" rtlCol="0" tIns="45720" vert="horz">
+          <a:bodyPr vert="horz" lIns="91440" tIns="45720" rIns="91440" bIns="45720" rtlCol="0">
             <a:normAutofit/>
           </a:bodyPr>
           <a:lstStyle/>
           <a:p>
             <a:pPr lvl="0"/>
             <a:r>
-              <a:rPr lang="en-US"/>
+              <a:rPr lang="en-US" smtClean="0"/>
               <a:t>Click to edit Master text styles</a:t>
             </a:r>
           </a:p>
           <a:p>
             <a:pPr lvl="1"/>
             <a:r>
-              <a:rPr lang="en-US"/>
+              <a:rPr lang="en-US" smtClean="0"/>
               <a:t>Second level</a:t>
             </a:r>
           </a:p>
           <a:p>
             <a:pPr lvl="2"/>
             <a:r>
-              <a:rPr lang="en-US"/>
+              <a:rPr lang="en-US" smtClean="0"/>
               <a:t>Third level</a:t>
             </a:r>
           </a:p>
           <a:p>
             <a:pPr lvl="3"/>
             <a:r>
-              <a:rPr lang="en-US"/>
+              <a:rPr lang="en-US" smtClean="0"/>
               <a:t>Fourth level</a:t>
             </a:r>
           </a:p>
           <a:p>
             <a:pPr lvl="4"/>
             <a:r>
-              <a:rPr lang="en-US"/>
+              <a:rPr lang="en-US" smtClean="0"/>
               <a:t>Fifth level</a:t>
             </a:r>
+            <a:endParaRPr lang="en-US"/>
           </a:p>
         </p:txBody>
       </p:sp>
@@ -2688,23 +2709,23 @@
             <a:spLocks noGrp="1"/>
           </p:cNvSpPr>
           <p:nvPr>
-            <p:ph idx="2" sz="half" type="dt"/>
+            <p:ph type="dt" sz="half" idx="2"/>
           </p:nvPr>
         </p:nvSpPr>
         <p:spPr>
           <a:xfrm>
-            <a:off x="457200" y="4767263"/>
-            <a:ext cx="2133600" cy="273844"/>
+            <a:off x="457200" y="6356350"/>
+            <a:ext cx="2133600" cy="365125"/>
           </a:xfrm>
           <a:prstGeom prst="rect">
             <a:avLst/>
           </a:prstGeom>
         </p:spPr>
         <p:txBody>
-          <a:bodyPr anchor="ctr" bIns="45720" lIns="91440" rIns="91440" rtlCol="0" tIns="45720" vert="horz"/>
+          <a:bodyPr vert="horz" lIns="91440" tIns="45720" rIns="91440" bIns="45720" rtlCol="0" anchor="ctr"/>
           <a:lstStyle>
             <a:lvl1pPr algn="l">
-              <a:defRPr sz="900">
+              <a:defRPr sz="1200">
                 <a:solidFill>
                   <a:schemeClr val="tx1">
                     <a:tint val="75000"/>
@@ -2716,7 +2737,7 @@
           <a:p>
             <a:fld id="{241EB5C9-1307-BA42-ABA2-0BC069CD8E7F}" type="datetimeFigureOut">
               <a:rPr lang="en-US" smtClean="0"/>
-              <a:t>1/2/22</a:t>
+              <a:t>4/5/2019</a:t>
             </a:fld>
             <a:endParaRPr lang="en-US"/>
           </a:p>
@@ -2729,23 +2750,23 @@
             <a:spLocks noGrp="1"/>
           </p:cNvSpPr>
           <p:nvPr>
-            <p:ph idx="3" sz="quarter" type="ftr"/>
+            <p:ph type="ftr" sz="quarter" idx="3"/>
           </p:nvPr>
         </p:nvSpPr>
         <p:spPr>
           <a:xfrm>
-            <a:off x="3124200" y="4767263"/>
-            <a:ext cx="2895600" cy="273844"/>
+            <a:off x="3124200" y="6356350"/>
+            <a:ext cx="2895600" cy="365125"/>
           </a:xfrm>
           <a:prstGeom prst="rect">
             <a:avLst/>
           </a:prstGeom>
         </p:spPr>
         <p:txBody>
-          <a:bodyPr anchor="ctr" bIns="45720" lIns="91440" rIns="91440" rtlCol="0" tIns="45720" vert="horz"/>
+          <a:bodyPr vert="horz" lIns="91440" tIns="45720" rIns="91440" bIns="45720" rtlCol="0" anchor="ctr"/>
           <a:lstStyle>
             <a:lvl1pPr algn="ctr">
-              <a:defRPr sz="900">
+              <a:defRPr sz="1200">
                 <a:solidFill>
                   <a:schemeClr val="tx1">
                     <a:tint val="75000"/>
@@ -2766,23 +2787,23 @@
             <a:spLocks noGrp="1"/>
           </p:cNvSpPr>
           <p:nvPr>
-            <p:ph idx="4" sz="quarter" type="sldNum"/>
+            <p:ph type="sldNum" sz="quarter" idx="4"/>
           </p:nvPr>
         </p:nvSpPr>
         <p:spPr>
           <a:xfrm>
-            <a:off x="6553200" y="4767263"/>
-            <a:ext cx="2133600" cy="273844"/>
+            <a:off x="6553200" y="6356350"/>
+            <a:ext cx="2133600" cy="365125"/>
           </a:xfrm>
           <a:prstGeom prst="rect">
             <a:avLst/>
           </a:prstGeom>
         </p:spPr>
         <p:txBody>
-          <a:bodyPr anchor="ctr" bIns="45720" lIns="91440" rIns="91440" rtlCol="0" tIns="45720" vert="horz"/>
+          <a:bodyPr vert="horz" lIns="91440" tIns="45720" rIns="91440" bIns="45720" rtlCol="0" anchor="ctr"/>
           <a:lstStyle>
             <a:lvl1pPr algn="r">
-              <a:defRPr sz="900">
+              <a:defRPr sz="1200">
                 <a:solidFill>
                   <a:schemeClr val="tx1">
                     <a:tint val="75000"/>
@@ -2807,7 +2828,7 @@
       </p:ext>
     </p:extLst>
   </p:cSld>
-  <p:clrMap accent1="accent1" accent2="accent2" accent3="accent3" accent4="accent4" accent5="accent5" accent6="accent6" bg1="lt1" bg2="lt2" folHlink="folHlink" hlink="hlink" tx1="dk1" tx2="dk2"/>
+  <p:clrMap bg1="lt1" tx1="dk1" bg2="lt2" tx2="dk2" accent1="accent1" accent2="accent2" accent3="accent3" accent4="accent4" accent5="accent5" accent6="accent6" hlink="hlink" folHlink="folHlink"/>
   <p:sldLayoutIdLst>
     <p:sldLayoutId id="2147483649" r:id="rId1"/>
     <p:sldLayoutId id="2147483650" r:id="rId2"/>
@@ -2823,12 +2844,12 @@
   </p:sldLayoutIdLst>
   <p:txStyles>
     <p:titleStyle>
-      <a:lvl1pPr algn="ctr" defTabSz="342900" eaLnBrk="1" hangingPunct="1" latinLnBrk="0" rtl="0">
+      <a:lvl1pPr algn="ctr" defTabSz="457200" rtl="0" eaLnBrk="1" latinLnBrk="0" hangingPunct="1">
         <a:spcBef>
           <a:spcPct val="0"/>
         </a:spcBef>
         <a:buNone/>
-        <a:defRPr kern="1200" sz="3300">
+        <a:defRPr sz="4400" kern="1200">
           <a:solidFill>
             <a:schemeClr val="tx1"/>
           </a:solidFill>
@@ -2839,13 +2860,13 @@
       </a:lvl1pPr>
     </p:titleStyle>
     <p:bodyStyle>
-      <a:lvl1pPr algn="l" defTabSz="342900" eaLnBrk="1" hangingPunct="1" indent="-342900" latinLnBrk="0" marL="342900" rtl="0">
+      <a:lvl1pPr marL="342900" indent="-342900" algn="l" defTabSz="457200" rtl="0" eaLnBrk="1" latinLnBrk="0" hangingPunct="1">
         <a:spcBef>
           <a:spcPct val="20000"/>
         </a:spcBef>
         <a:buFont typeface="Arial"/>
         <a:buChar char="•"/>
-        <a:defRPr kern="1200" sz="2400">
+        <a:defRPr sz="3200" kern="1200">
           <a:solidFill>
             <a:schemeClr val="tx1"/>
           </a:solidFill>
@@ -2854,13 +2875,13 @@
           <a:cs typeface="+mn-cs"/>
         </a:defRPr>
       </a:lvl1pPr>
-      <a:lvl2pPr algn="l" defTabSz="342900" eaLnBrk="1" hangingPunct="1" indent="-342900" latinLnBrk="0" marL="685800" rtl="0">
+      <a:lvl2pPr marL="742950" indent="-285750" algn="l" defTabSz="457200" rtl="0" eaLnBrk="1" latinLnBrk="0" hangingPunct="1">
         <a:spcBef>
           <a:spcPct val="20000"/>
         </a:spcBef>
         <a:buFont typeface="Arial"/>
         <a:buChar char="–"/>
-        <a:defRPr kern="1200" sz="2100">
+        <a:defRPr sz="2800" kern="1200">
           <a:solidFill>
             <a:schemeClr val="tx1"/>
           </a:solidFill>
@@ -2869,13 +2890,13 @@
           <a:cs typeface="+mn-cs"/>
         </a:defRPr>
       </a:lvl2pPr>
-      <a:lvl3pPr algn="l" defTabSz="342900" eaLnBrk="1" hangingPunct="1" indent="-342900" latinLnBrk="0" marL="1028700" rtl="0">
+      <a:lvl3pPr marL="1143000" indent="-228600" algn="l" defTabSz="457200" rtl="0" eaLnBrk="1" latinLnBrk="0" hangingPunct="1">
         <a:spcBef>
           <a:spcPct val="20000"/>
         </a:spcBef>
         <a:buFont typeface="Arial"/>
         <a:buChar char="•"/>
-        <a:defRPr kern="1200" sz="1800">
+        <a:defRPr sz="2400" kern="1200">
           <a:solidFill>
             <a:schemeClr val="tx1"/>
           </a:solidFill>
@@ -2884,13 +2905,13 @@
           <a:cs typeface="+mn-cs"/>
         </a:defRPr>
       </a:lvl3pPr>
-      <a:lvl4pPr algn="l" defTabSz="342900" eaLnBrk="1" hangingPunct="1" indent="-342900" latinLnBrk="0" marL="1371600" rtl="0">
+      <a:lvl4pPr marL="1600200" indent="-228600" algn="l" defTabSz="457200" rtl="0" eaLnBrk="1" latinLnBrk="0" hangingPunct="1">
         <a:spcBef>
           <a:spcPct val="20000"/>
         </a:spcBef>
         <a:buFont typeface="Arial"/>
         <a:buChar char="–"/>
-        <a:defRPr kern="1200" sz="1500">
+        <a:defRPr sz="2000" kern="1200">
           <a:solidFill>
             <a:schemeClr val="tx1"/>
           </a:solidFill>
@@ -2899,13 +2920,13 @@
           <a:cs typeface="+mn-cs"/>
         </a:defRPr>
       </a:lvl4pPr>
-      <a:lvl5pPr algn="l" defTabSz="342900" eaLnBrk="1" hangingPunct="1" indent="-342900" latinLnBrk="0" marL="1714500" rtl="0">
+      <a:lvl5pPr marL="2057400" indent="-228600" algn="l" defTabSz="457200" rtl="0" eaLnBrk="1" latinLnBrk="0" hangingPunct="1">
         <a:spcBef>
           <a:spcPct val="20000"/>
         </a:spcBef>
         <a:buFont typeface="Arial"/>
         <a:buChar char="»"/>
-        <a:defRPr kern="1200" sz="1500">
+        <a:defRPr sz="2000" kern="1200">
           <a:solidFill>
             <a:schemeClr val="tx1"/>
           </a:solidFill>
@@ -2914,13 +2935,13 @@
           <a:cs typeface="+mn-cs"/>
         </a:defRPr>
       </a:lvl5pPr>
-      <a:lvl6pPr algn="l" defTabSz="342900" eaLnBrk="1" hangingPunct="1" indent="-342900" latinLnBrk="0" marL="2057400" rtl="0">
+      <a:lvl6pPr marL="2514600" indent="-228600" algn="l" defTabSz="457200" rtl="0" eaLnBrk="1" latinLnBrk="0" hangingPunct="1">
         <a:spcBef>
           <a:spcPct val="20000"/>
         </a:spcBef>
         <a:buFont typeface="Arial"/>
         <a:buChar char="•"/>
-        <a:defRPr kern="1200" sz="1500">
+        <a:defRPr sz="2000" kern="1200">
           <a:solidFill>
             <a:schemeClr val="tx1"/>
           </a:solidFill>
@@ -2929,13 +2950,13 @@
           <a:cs typeface="+mn-cs"/>
         </a:defRPr>
       </a:lvl6pPr>
-      <a:lvl7pPr algn="l" defTabSz="342900" eaLnBrk="1" hangingPunct="1" indent="-342900" latinLnBrk="0" marL="2400300" rtl="0">
+      <a:lvl7pPr marL="2971800" indent="-228600" algn="l" defTabSz="457200" rtl="0" eaLnBrk="1" latinLnBrk="0" hangingPunct="1">
         <a:spcBef>
           <a:spcPct val="20000"/>
         </a:spcBef>
         <a:buFont typeface="Arial"/>
         <a:buChar char="•"/>
-        <a:defRPr kern="1200" sz="1500">
+        <a:defRPr sz="2000" kern="1200">
           <a:solidFill>
             <a:schemeClr val="tx1"/>
           </a:solidFill>
@@ -2944,13 +2965,13 @@
           <a:cs typeface="+mn-cs"/>
         </a:defRPr>
       </a:lvl7pPr>
-      <a:lvl8pPr algn="l" defTabSz="342900" eaLnBrk="1" hangingPunct="1" indent="-342900" latinLnBrk="0" marL="2743200" rtl="0">
+      <a:lvl8pPr marL="3429000" indent="-228600" algn="l" defTabSz="457200" rtl="0" eaLnBrk="1" latinLnBrk="0" hangingPunct="1">
         <a:spcBef>
           <a:spcPct val="20000"/>
         </a:spcBef>
         <a:buFont typeface="Arial"/>
         <a:buChar char="•"/>
-        <a:defRPr kern="1200" sz="1500">
+        <a:defRPr sz="2000" kern="1200">
           <a:solidFill>
             <a:schemeClr val="tx1"/>
           </a:solidFill>
@@ -2959,13 +2980,13 @@
           <a:cs typeface="+mn-cs"/>
         </a:defRPr>
       </a:lvl8pPr>
-      <a:lvl9pPr algn="l" defTabSz="342900" eaLnBrk="1" hangingPunct="1" indent="-342900" latinLnBrk="0" marL="3086100" rtl="0">
+      <a:lvl9pPr marL="3886200" indent="-228600" algn="l" defTabSz="457200" rtl="0" eaLnBrk="1" latinLnBrk="0" hangingPunct="1">
         <a:spcBef>
           <a:spcPct val="20000"/>
         </a:spcBef>
         <a:buFont typeface="Arial"/>
         <a:buChar char="•"/>
-        <a:defRPr kern="1200" sz="1500">
+        <a:defRPr sz="2000" kern="1200">
           <a:solidFill>
             <a:schemeClr val="tx1"/>
           </a:solidFill>
@@ -2979,8 +3000,8 @@
       <a:defPPr>
         <a:defRPr lang="en-US"/>
       </a:defPPr>
-      <a:lvl1pPr algn="l" defTabSz="342900" eaLnBrk="1" hangingPunct="1" latinLnBrk="0" marL="0" rtl="0">
-        <a:defRPr kern="1200" sz="1350">
+      <a:lvl1pPr marL="0" algn="l" defTabSz="457200" rtl="0" eaLnBrk="1" latinLnBrk="0" hangingPunct="1">
+        <a:defRPr sz="1800" kern="1200">
           <a:solidFill>
             <a:schemeClr val="tx1"/>
           </a:solidFill>
@@ -2989,8 +3010,8 @@
           <a:cs typeface="+mn-cs"/>
         </a:defRPr>
       </a:lvl1pPr>
-      <a:lvl2pPr algn="l" defTabSz="342900" eaLnBrk="1" hangingPunct="1" latinLnBrk="0" marL="342900" rtl="0">
-        <a:defRPr kern="1200" sz="1350">
+      <a:lvl2pPr marL="457200" algn="l" defTabSz="457200" rtl="0" eaLnBrk="1" latinLnBrk="0" hangingPunct="1">
+        <a:defRPr sz="1800" kern="1200">
           <a:solidFill>
             <a:schemeClr val="tx1"/>
           </a:solidFill>
@@ -2999,8 +3020,8 @@
           <a:cs typeface="+mn-cs"/>
         </a:defRPr>
       </a:lvl2pPr>
-      <a:lvl3pPr algn="l" defTabSz="342900" eaLnBrk="1" hangingPunct="1" latinLnBrk="0" marL="685800" rtl="0">
-        <a:defRPr kern="1200" sz="1350">
+      <a:lvl3pPr marL="914400" algn="l" defTabSz="457200" rtl="0" eaLnBrk="1" latinLnBrk="0" hangingPunct="1">
+        <a:defRPr sz="1800" kern="1200">
           <a:solidFill>
             <a:schemeClr val="tx1"/>
           </a:solidFill>
@@ -3009,8 +3030,8 @@
           <a:cs typeface="+mn-cs"/>
         </a:defRPr>
       </a:lvl3pPr>
-      <a:lvl4pPr algn="l" defTabSz="342900" eaLnBrk="1" hangingPunct="1" latinLnBrk="0" marL="1028700" rtl="0">
-        <a:defRPr kern="1200" sz="1350">
+      <a:lvl4pPr marL="1371600" algn="l" defTabSz="457200" rtl="0" eaLnBrk="1" latinLnBrk="0" hangingPunct="1">
+        <a:defRPr sz="1800" kern="1200">
           <a:solidFill>
             <a:schemeClr val="tx1"/>
           </a:solidFill>
@@ -3019,8 +3040,8 @@
           <a:cs typeface="+mn-cs"/>
         </a:defRPr>
       </a:lvl4pPr>
-      <a:lvl5pPr algn="l" defTabSz="342900" eaLnBrk="1" hangingPunct="1" latinLnBrk="0" marL="1371600" rtl="0">
-        <a:defRPr kern="1200" sz="1350">
+      <a:lvl5pPr marL="1828800" algn="l" defTabSz="457200" rtl="0" eaLnBrk="1" latinLnBrk="0" hangingPunct="1">
+        <a:defRPr sz="1800" kern="1200">
           <a:solidFill>
             <a:schemeClr val="tx1"/>
           </a:solidFill>
@@ -3029,8 +3050,8 @@
           <a:cs typeface="+mn-cs"/>
         </a:defRPr>
       </a:lvl5pPr>
-      <a:lvl6pPr algn="l" defTabSz="342900" eaLnBrk="1" hangingPunct="1" latinLnBrk="0" marL="1714500" rtl="0">
-        <a:defRPr kern="1200" sz="1350">
+      <a:lvl6pPr marL="2286000" algn="l" defTabSz="457200" rtl="0" eaLnBrk="1" latinLnBrk="0" hangingPunct="1">
+        <a:defRPr sz="1800" kern="1200">
           <a:solidFill>
             <a:schemeClr val="tx1"/>
           </a:solidFill>
@@ -3039,8 +3060,8 @@
           <a:cs typeface="+mn-cs"/>
         </a:defRPr>
       </a:lvl6pPr>
-      <a:lvl7pPr algn="l" defTabSz="342900" eaLnBrk="1" hangingPunct="1" latinLnBrk="0" marL="2057400" rtl="0">
-        <a:defRPr kern="1200" sz="1350">
+      <a:lvl7pPr marL="2743200" algn="l" defTabSz="457200" rtl="0" eaLnBrk="1" latinLnBrk="0" hangingPunct="1">
+        <a:defRPr sz="1800" kern="1200">
           <a:solidFill>
             <a:schemeClr val="tx1"/>
           </a:solidFill>
@@ -3049,8 +3070,8 @@
           <a:cs typeface="+mn-cs"/>
         </a:defRPr>
       </a:lvl7pPr>
-      <a:lvl8pPr algn="l" defTabSz="342900" eaLnBrk="1" hangingPunct="1" latinLnBrk="0" marL="2400300" rtl="0">
-        <a:defRPr kern="1200" sz="1350">
+      <a:lvl8pPr marL="3200400" algn="l" defTabSz="457200" rtl="0" eaLnBrk="1" latinLnBrk="0" hangingPunct="1">
+        <a:defRPr sz="1800" kern="1200">
           <a:solidFill>
             <a:schemeClr val="tx1"/>
           </a:solidFill>
@@ -3059,8 +3080,8 @@
           <a:cs typeface="+mn-cs"/>
         </a:defRPr>
       </a:lvl8pPr>
-      <a:lvl9pPr algn="l" defTabSz="342900" eaLnBrk="1" hangingPunct="1" latinLnBrk="0" marL="2743200" rtl="0">
-        <a:defRPr kern="1200" sz="1350">
+      <a:lvl9pPr marL="3657600" algn="l" defTabSz="457200" rtl="0" eaLnBrk="1" latinLnBrk="0" hangingPunct="1">
+        <a:defRPr sz="1800" kern="1200">
           <a:solidFill>
             <a:schemeClr val="tx1"/>
           </a:solidFill>
@@ -3106,12 +3127,12 @@
           <a:bodyPr/>
           <a:lstStyle/>
           <a:p>
-            <a:pPr lvl="0" indent="0" marL="0">
+            <a:pPr lvl="0" marL="0" indent="0">
               <a:buNone/>
             </a:pPr>
             <a:r>
               <a:rPr/>
-              <a:t>  Python les-materialen</a:t>
+              <a:t>  Python les-materialen  Yilmaz Mustafa, Instructeur Java/Python</a:t>
             </a:r>
           </a:p>
         </p:txBody>
@@ -3153,12 +3174,28 @@
           <a:bodyPr/>
           <a:lstStyle/>
           <a:p>
-            <a:pPr lvl="0" indent="0" marL="0">
+            <a:pPr lvl="0" marL="0" indent="0">
               <a:buNone/>
             </a:pPr>
             <a:r>
               <a:rPr/>
-              <a:t>Geketende (chained) vergelijkingsoperators</a:t>
+              <a:t>Geketende</a:t>
+            </a:r>
+            <a:r>
+              <a:rPr/>
+              <a:t> </a:t>
+            </a:r>
+            <a:r>
+              <a:rPr/>
+              <a:t>(chained)</a:t>
+            </a:r>
+            <a:r>
+              <a:rPr/>
+              <a:t> </a:t>
+            </a:r>
+            <a:r>
+              <a:rPr/>
+              <a:t>vergelijkingsoperators</a:t>
             </a:r>
           </a:p>
         </p:txBody>
@@ -3178,7 +3215,7 @@
           <a:bodyPr/>
           <a:lstStyle/>
           <a:p>
-            <a:pPr lvl="0" indent="0" marL="0">
+            <a:pPr lvl="0" marL="0" indent="0">
               <a:buNone/>
             </a:pPr>
             <a:r>
@@ -3195,7 +3232,7 @@
             </a:r>
           </a:p>
           <a:p>
-            <a:pPr lvl="0" indent="0" marL="0">
+            <a:pPr lvl="0" marL="0" indent="0">
               <a:buNone/>
             </a:pPr>
             <a:r>
@@ -3220,7 +3257,7 @@
             </a:r>
           </a:p>
           <a:p>
-            <a:pPr lvl="0" indent="0" marL="0">
+            <a:pPr lvl="0" marL="0" indent="0">
               <a:buNone/>
             </a:pPr>
             <a:r>
@@ -3314,7 +3351,7 @@
             </a:r>
           </a:p>
           <a:p>
-            <a:pPr lvl="0" indent="0" marL="0">
+            <a:pPr lvl="0" marL="0" indent="0">
               <a:buNone/>
             </a:pPr>
             <a:r>
@@ -3430,7 +3467,7 @@
             </a:r>
           </a:p>
           <a:p>
-            <a:pPr lvl="0" indent="0" marL="0">
+            <a:pPr lvl="0" marL="0" indent="0">
               <a:buNone/>
             </a:pPr>
             <a:r>
@@ -3540,7 +3577,7 @@
             </a:r>
           </a:p>
           <a:p>
-            <a:pPr lvl="0" indent="0" marL="0">
+            <a:pPr lvl="0" marL="0" indent="0">
               <a:buNone/>
             </a:pPr>
             <a:r>
@@ -3648,7 +3685,7 @@
             </a:r>
           </a:p>
           <a:p>
-            <a:pPr lvl="0" indent="0" marL="0">
+            <a:pPr lvl="0" marL="0" indent="0">
               <a:buNone/>
             </a:pPr>
             <a:r>
@@ -3756,7 +3793,7 @@
             </a:r>
           </a:p>
           <a:p>
-            <a:pPr lvl="0" indent="0" marL="0">
+            <a:pPr lvl="0" marL="0" indent="0">
               <a:buNone/>
             </a:pPr>
             <a:r>
@@ -3880,7 +3917,7 @@
             </a:r>
           </a:p>
           <a:p>
-            <a:pPr lvl="0" indent="0" marL="0">
+            <a:pPr lvl="0" marL="0" indent="0">
               <a:buNone/>
             </a:pPr>
             <a:r>
@@ -4229,265 +4266,4 @@
   </a:objectDefaults>
   <a:extraClrSchemeLst/>
 </a:theme>
-</file>
-
-<file path=ppt/theme/theme2.xml><?xml version="1.0" encoding="utf-8"?>
-<a:theme xmlns:a="http://schemas.openxmlformats.org/drawingml/2006/main" name="Office Theme">
-  <a:themeElements>
-    <a:clrScheme name="Office">
-      <a:dk1>
-        <a:sysClr val="windowText" lastClr="000000"/>
-      </a:dk1>
-      <a:lt1>
-        <a:sysClr val="window" lastClr="FFFFFF"/>
-      </a:lt1>
-      <a:dk2>
-        <a:srgbClr val="44546A"/>
-      </a:dk2>
-      <a:lt2>
-        <a:srgbClr val="E7E6E6"/>
-      </a:lt2>
-      <a:accent1>
-        <a:srgbClr val="5B9BD5"/>
-      </a:accent1>
-      <a:accent2>
-        <a:srgbClr val="ED7D31"/>
-      </a:accent2>
-      <a:accent3>
-        <a:srgbClr val="A5A5A5"/>
-      </a:accent3>
-      <a:accent4>
-        <a:srgbClr val="FFC000"/>
-      </a:accent4>
-      <a:accent5>
-        <a:srgbClr val="4472C4"/>
-      </a:accent5>
-      <a:accent6>
-        <a:srgbClr val="70AD47"/>
-      </a:accent6>
-      <a:hlink>
-        <a:srgbClr val="0563C1"/>
-      </a:hlink>
-      <a:folHlink>
-        <a:srgbClr val="954F72"/>
-      </a:folHlink>
-    </a:clrScheme>
-    <a:fontScheme name="Office">
-      <a:majorFont>
-        <a:latin typeface="Calibri Light" panose="020F0302020204030204"/>
-        <a:ea typeface=""/>
-        <a:cs typeface=""/>
-        <a:font script="Jpan" typeface="ＭＳ Ｐゴシック"/>
-        <a:font script="Hang" typeface="맑은 고딕"/>
-        <a:font script="Hans" typeface="宋体"/>
-        <a:font script="Hant" typeface="新細明體"/>
-        <a:font script="Arab" typeface="Times New Roman"/>
-        <a:font script="Hebr" typeface="Times New Roman"/>
-        <a:font script="Thai" typeface="Angsana New"/>
-        <a:font script="Ethi" typeface="Nyala"/>
-        <a:font script="Beng" typeface="Vrinda"/>
-        <a:font script="Gujr" typeface="Shruti"/>
-        <a:font script="Khmr" typeface="MoolBoran"/>
-        <a:font script="Knda" typeface="Tunga"/>
-        <a:font script="Guru" typeface="Raavi"/>
-        <a:font script="Cans" typeface="Euphemia"/>
-        <a:font script="Cher" typeface="Plantagenet Cherokee"/>
-        <a:font script="Yiii" typeface="Microsoft Yi Baiti"/>
-        <a:font script="Tibt" typeface="Microsoft Himalaya"/>
-        <a:font script="Thaa" typeface="MV Boli"/>
-        <a:font script="Deva" typeface="Mangal"/>
-        <a:font script="Telu" typeface="Gautami"/>
-        <a:font script="Taml" typeface="Latha"/>
-        <a:font script="Syrc" typeface="Estrangelo Edessa"/>
-        <a:font script="Orya" typeface="Kalinga"/>
-        <a:font script="Mlym" typeface="Kartika"/>
-        <a:font script="Laoo" typeface="DokChampa"/>
-        <a:font script="Sinh" typeface="Iskoola Pota"/>
-        <a:font script="Mong" typeface="Mongolian Baiti"/>
-        <a:font script="Viet" typeface="Times New Roman"/>
-        <a:font script="Uigh" typeface="Microsoft Uighur"/>
-        <a:font script="Geor" typeface="Sylfaen"/>
-      </a:majorFont>
-      <a:minorFont>
-        <a:latin typeface="Calibri" panose="020F0502020204030204"/>
-        <a:ea typeface=""/>
-        <a:cs typeface=""/>
-        <a:font script="Jpan" typeface="ＭＳ Ｐゴシック"/>
-        <a:font script="Hang" typeface="맑은 고딕"/>
-        <a:font script="Hans" typeface="宋体"/>
-        <a:font script="Hant" typeface="新細明體"/>
-        <a:font script="Arab" typeface="Arial"/>
-        <a:font script="Hebr" typeface="Arial"/>
-        <a:font script="Thai" typeface="Cordia New"/>
-        <a:font script="Ethi" typeface="Nyala"/>
-        <a:font script="Beng" typeface="Vrinda"/>
-        <a:font script="Gujr" typeface="Shruti"/>
-        <a:font script="Khmr" typeface="DaunPenh"/>
-        <a:font script="Knda" typeface="Tunga"/>
-        <a:font script="Guru" typeface="Raavi"/>
-        <a:font script="Cans" typeface="Euphemia"/>
-        <a:font script="Cher" typeface="Plantagenet Cherokee"/>
-        <a:font script="Yiii" typeface="Microsoft Yi Baiti"/>
-        <a:font script="Tibt" typeface="Microsoft Himalaya"/>
-        <a:font script="Thaa" typeface="MV Boli"/>
-        <a:font script="Deva" typeface="Mangal"/>
-        <a:font script="Telu" typeface="Gautami"/>
-        <a:font script="Taml" typeface="Latha"/>
-        <a:font script="Syrc" typeface="Estrangelo Edessa"/>
-        <a:font script="Orya" typeface="Kalinga"/>
-        <a:font script="Mlym" typeface="Kartika"/>
-        <a:font script="Laoo" typeface="DokChampa"/>
-        <a:font script="Sinh" typeface="Iskoola Pota"/>
-        <a:font script="Mong" typeface="Mongolian Baiti"/>
-        <a:font script="Viet" typeface="Arial"/>
-        <a:font script="Uigh" typeface="Microsoft Uighur"/>
-        <a:font script="Geor" typeface="Sylfaen"/>
-      </a:minorFont>
-    </a:fontScheme>
-    <a:fmtScheme name="Office">
-      <a:fillStyleLst>
-        <a:solidFill>
-          <a:schemeClr val="phClr"/>
-        </a:solidFill>
-        <a:gradFill rotWithShape="1">
-          <a:gsLst>
-            <a:gs pos="0">
-              <a:schemeClr val="phClr">
-                <a:lumMod val="110000"/>
-                <a:satMod val="105000"/>
-                <a:tint val="67000"/>
-              </a:schemeClr>
-            </a:gs>
-            <a:gs pos="50000">
-              <a:schemeClr val="phClr">
-                <a:lumMod val="105000"/>
-                <a:satMod val="103000"/>
-                <a:tint val="73000"/>
-              </a:schemeClr>
-            </a:gs>
-            <a:gs pos="100000">
-              <a:schemeClr val="phClr">
-                <a:lumMod val="105000"/>
-                <a:satMod val="109000"/>
-                <a:tint val="81000"/>
-              </a:schemeClr>
-            </a:gs>
-          </a:gsLst>
-          <a:lin ang="5400000" scaled="0"/>
-        </a:gradFill>
-        <a:gradFill rotWithShape="1">
-          <a:gsLst>
-            <a:gs pos="0">
-              <a:schemeClr val="phClr">
-                <a:satMod val="103000"/>
-                <a:lumMod val="102000"/>
-                <a:tint val="94000"/>
-              </a:schemeClr>
-            </a:gs>
-            <a:gs pos="50000">
-              <a:schemeClr val="phClr">
-                <a:satMod val="110000"/>
-                <a:lumMod val="100000"/>
-                <a:shade val="100000"/>
-              </a:schemeClr>
-            </a:gs>
-            <a:gs pos="100000">
-              <a:schemeClr val="phClr">
-                <a:lumMod val="99000"/>
-                <a:satMod val="120000"/>
-                <a:shade val="78000"/>
-              </a:schemeClr>
-            </a:gs>
-          </a:gsLst>
-          <a:lin ang="5400000" scaled="0"/>
-        </a:gradFill>
-      </a:fillStyleLst>
-      <a:lnStyleLst>
-        <a:ln w="6350" cap="flat" cmpd="sng" algn="ctr">
-          <a:solidFill>
-            <a:schemeClr val="phClr"/>
-          </a:solidFill>
-          <a:prstDash val="solid"/>
-          <a:miter lim="800000"/>
-        </a:ln>
-        <a:ln w="12700" cap="flat" cmpd="sng" algn="ctr">
-          <a:solidFill>
-            <a:schemeClr val="phClr"/>
-          </a:solidFill>
-          <a:prstDash val="solid"/>
-          <a:miter lim="800000"/>
-        </a:ln>
-        <a:ln w="19050" cap="flat" cmpd="sng" algn="ctr">
-          <a:solidFill>
-            <a:schemeClr val="phClr"/>
-          </a:solidFill>
-          <a:prstDash val="solid"/>
-          <a:miter lim="800000"/>
-        </a:ln>
-      </a:lnStyleLst>
-      <a:effectStyleLst>
-        <a:effectStyle>
-          <a:effectLst/>
-        </a:effectStyle>
-        <a:effectStyle>
-          <a:effectLst/>
-        </a:effectStyle>
-        <a:effectStyle>
-          <a:effectLst>
-            <a:outerShdw blurRad="57150" dist="19050" dir="5400000" algn="ctr" rotWithShape="0">
-              <a:srgbClr val="000000">
-                <a:alpha val="63000"/>
-              </a:srgbClr>
-            </a:outerShdw>
-          </a:effectLst>
-        </a:effectStyle>
-      </a:effectStyleLst>
-      <a:bgFillStyleLst>
-        <a:solidFill>
-          <a:schemeClr val="phClr"/>
-        </a:solidFill>
-        <a:solidFill>
-          <a:schemeClr val="phClr">
-            <a:tint val="95000"/>
-            <a:satMod val="170000"/>
-          </a:schemeClr>
-        </a:solidFill>
-        <a:gradFill rotWithShape="1">
-          <a:gsLst>
-            <a:gs pos="0">
-              <a:schemeClr val="phClr">
-                <a:tint val="93000"/>
-                <a:satMod val="150000"/>
-                <a:shade val="98000"/>
-                <a:lumMod val="102000"/>
-              </a:schemeClr>
-            </a:gs>
-            <a:gs pos="50000">
-              <a:schemeClr val="phClr">
-                <a:tint val="98000"/>
-                <a:satMod val="130000"/>
-                <a:shade val="90000"/>
-                <a:lumMod val="103000"/>
-              </a:schemeClr>
-            </a:gs>
-            <a:gs pos="100000">
-              <a:schemeClr val="phClr">
-                <a:shade val="63000"/>
-                <a:satMod val="120000"/>
-              </a:schemeClr>
-            </a:gs>
-          </a:gsLst>
-          <a:lin ang="5400000" scaled="0"/>
-        </a:gradFill>
-      </a:bgFillStyleLst>
-    </a:fmtScheme>
-  </a:themeElements>
-  <a:objectDefaults/>
-  <a:extraClrSchemeLst/>
-  <a:extLst>
-    <a:ext uri="{05A4C25C-085E-4340-85A3-A5531E510DB2}">
-      <thm15:themeFamily xmlns:thm15="http://schemas.microsoft.com/office/thememl/2012/main" name="Office Theme" id="{62F939B6-93AF-4DB8-9C6B-D6C7DFDC589F}" vid="{4A3C46E8-61CC-4603-A589-7422A47A8E4A}"/>
-    </a:ext>
-  </a:extLst>
-</a:theme>
 </file>